--- a/Project Proposal.pptx
+++ b/Project Proposal.pptx
@@ -866,7 +866,7 @@
 <dgm:dataModel xmlns:dgm="http://schemas.openxmlformats.org/drawingml/2006/diagram" xmlns:a="http://schemas.openxmlformats.org/drawingml/2006/main">
   <dgm:ptLst>
     <dgm:pt modelId="{CCB71746-D3BE-4AFC-94B5-D611E9B24FB9}" type="doc">
-      <dgm:prSet loTypeId="urn:microsoft.com/office/officeart/2005/8/layout/vList5" loCatId="list" qsTypeId="urn:microsoft.com/office/officeart/2005/8/quickstyle/simple1" qsCatId="simple" csTypeId="urn:microsoft.com/office/officeart/2005/8/colors/accent1_2" csCatId="accent1"/>
+      <dgm:prSet loTypeId="urn:microsoft.com/office/officeart/2008/layout/LinedList" loCatId="list" qsTypeId="urn:microsoft.com/office/officeart/2005/8/quickstyle/simple1" qsCatId="simple" csTypeId="urn:microsoft.com/office/officeart/2005/8/colors/accent1_2" csCatId="accent1"/>
       <dgm:spPr/>
       <dgm:t>
         <a:bodyPr/>
@@ -1314,234 +1314,239 @@
         </a:p>
       </dgm:t>
     </dgm:pt>
-    <dgm:pt modelId="{36B9B6DF-083F-44AB-AA93-9B2B88640EA9}" type="pres">
-      <dgm:prSet presAssocID="{CCB71746-D3BE-4AFC-94B5-D611E9B24FB9}" presName="Name0" presStyleCnt="0">
+    <dgm:pt modelId="{7009A771-FF76-4939-9752-47119D56BA07}" type="pres">
+      <dgm:prSet presAssocID="{CCB71746-D3BE-4AFC-94B5-D611E9B24FB9}" presName="vert0" presStyleCnt="0">
         <dgm:presLayoutVars>
           <dgm:dir/>
+          <dgm:animOne val="branch"/>
           <dgm:animLvl val="lvl"/>
-          <dgm:resizeHandles val="exact"/>
         </dgm:presLayoutVars>
       </dgm:prSet>
       <dgm:spPr/>
     </dgm:pt>
-    <dgm:pt modelId="{BB21D917-37B0-40D7-8903-767EBA20485A}" type="pres">
-      <dgm:prSet presAssocID="{605CD56E-1130-4BE6-8CC1-7570119A1058}" presName="linNode" presStyleCnt="0"/>
+    <dgm:pt modelId="{13FA8DD4-3DB5-440D-A5F2-D2C4C95E3F68}" type="pres">
+      <dgm:prSet presAssocID="{605CD56E-1130-4BE6-8CC1-7570119A1058}" presName="thickLine" presStyleLbl="alignNode1" presStyleIdx="0" presStyleCnt="10"/>
       <dgm:spPr/>
     </dgm:pt>
-    <dgm:pt modelId="{1705F9D1-12BB-43BE-AF6A-7539F98799F0}" type="pres">
-      <dgm:prSet presAssocID="{605CD56E-1130-4BE6-8CC1-7570119A1058}" presName="parentText" presStyleLbl="node1" presStyleIdx="0" presStyleCnt="10">
-        <dgm:presLayoutVars>
-          <dgm:chMax val="1"/>
-          <dgm:bulletEnabled val="1"/>
-        </dgm:presLayoutVars>
-      </dgm:prSet>
+    <dgm:pt modelId="{08DC9C29-CDFF-4003-B975-CA0DDA14C57A}" type="pres">
+      <dgm:prSet presAssocID="{605CD56E-1130-4BE6-8CC1-7570119A1058}" presName="horz1" presStyleCnt="0"/>
       <dgm:spPr/>
     </dgm:pt>
-    <dgm:pt modelId="{1F956DD0-477E-4F28-A8B7-F74804618E01}" type="pres">
-      <dgm:prSet presAssocID="{FAEC917A-828C-415B-AA31-4EA163AA322F}" presName="sp" presStyleCnt="0"/>
+    <dgm:pt modelId="{95C1530C-B069-48E1-8D86-0B54CAEBBAD3}" type="pres">
+      <dgm:prSet presAssocID="{605CD56E-1130-4BE6-8CC1-7570119A1058}" presName="tx1" presStyleLbl="revTx" presStyleIdx="0" presStyleCnt="10"/>
       <dgm:spPr/>
     </dgm:pt>
-    <dgm:pt modelId="{B2341BF8-E0DE-426B-85C2-23DE8340E9BC}" type="pres">
-      <dgm:prSet presAssocID="{68BAC278-BEF2-4733-8363-309C21BD38C9}" presName="linNode" presStyleCnt="0"/>
+    <dgm:pt modelId="{C6D6774B-42B9-4D89-96E2-03EA5F838BE5}" type="pres">
+      <dgm:prSet presAssocID="{605CD56E-1130-4BE6-8CC1-7570119A1058}" presName="vert1" presStyleCnt="0"/>
       <dgm:spPr/>
     </dgm:pt>
-    <dgm:pt modelId="{B4EE1610-096B-4186-B752-56418B72A934}" type="pres">
-      <dgm:prSet presAssocID="{68BAC278-BEF2-4733-8363-309C21BD38C9}" presName="parentText" presStyleLbl="node1" presStyleIdx="1" presStyleCnt="10">
-        <dgm:presLayoutVars>
-          <dgm:chMax val="1"/>
-          <dgm:bulletEnabled val="1"/>
-        </dgm:presLayoutVars>
-      </dgm:prSet>
+    <dgm:pt modelId="{58F5A0A5-03F3-4CFF-BDE2-DE42E8213252}" type="pres">
+      <dgm:prSet presAssocID="{68BAC278-BEF2-4733-8363-309C21BD38C9}" presName="thickLine" presStyleLbl="alignNode1" presStyleIdx="1" presStyleCnt="10"/>
       <dgm:spPr/>
     </dgm:pt>
-    <dgm:pt modelId="{53F1671A-CD9E-4DEA-9678-9A5203BCA494}" type="pres">
-      <dgm:prSet presAssocID="{26CBF1BD-681F-4277-AF14-F214693FA546}" presName="sp" presStyleCnt="0"/>
+    <dgm:pt modelId="{51937670-661C-4052-97CE-B9F7B23F9753}" type="pres">
+      <dgm:prSet presAssocID="{68BAC278-BEF2-4733-8363-309C21BD38C9}" presName="horz1" presStyleCnt="0"/>
       <dgm:spPr/>
     </dgm:pt>
-    <dgm:pt modelId="{1AC2C2B0-A09B-42B6-B12D-5DCA5AD4BD6E}" type="pres">
-      <dgm:prSet presAssocID="{6A0D8C3F-6AC5-474E-AE8F-0715151574CB}" presName="linNode" presStyleCnt="0"/>
+    <dgm:pt modelId="{55F1D53F-08DB-4B56-8279-AB61D9BE5E32}" type="pres">
+      <dgm:prSet presAssocID="{68BAC278-BEF2-4733-8363-309C21BD38C9}" presName="tx1" presStyleLbl="revTx" presStyleIdx="1" presStyleCnt="10"/>
       <dgm:spPr/>
     </dgm:pt>
-    <dgm:pt modelId="{ED2B54F7-2F01-47C4-B282-EA30BE903DF5}" type="pres">
-      <dgm:prSet presAssocID="{6A0D8C3F-6AC5-474E-AE8F-0715151574CB}" presName="parentText" presStyleLbl="node1" presStyleIdx="2" presStyleCnt="10">
-        <dgm:presLayoutVars>
-          <dgm:chMax val="1"/>
-          <dgm:bulletEnabled val="1"/>
-        </dgm:presLayoutVars>
-      </dgm:prSet>
+    <dgm:pt modelId="{AECBA76C-7A55-4E1F-B32D-D4A3B502ACCB}" type="pres">
+      <dgm:prSet presAssocID="{68BAC278-BEF2-4733-8363-309C21BD38C9}" presName="vert1" presStyleCnt="0"/>
       <dgm:spPr/>
     </dgm:pt>
-    <dgm:pt modelId="{05B26946-1F72-46A2-A1B0-4C4E891D5598}" type="pres">
-      <dgm:prSet presAssocID="{85624B01-CDC4-4C0F-9308-98BFF82BB900}" presName="sp" presStyleCnt="0"/>
+    <dgm:pt modelId="{FA5EB51F-358E-4CAD-8150-F93D422189AE}" type="pres">
+      <dgm:prSet presAssocID="{6A0D8C3F-6AC5-474E-AE8F-0715151574CB}" presName="thickLine" presStyleLbl="alignNode1" presStyleIdx="2" presStyleCnt="10"/>
       <dgm:spPr/>
     </dgm:pt>
-    <dgm:pt modelId="{67274973-779E-4A5D-9A7D-38AA0B7CE0C4}" type="pres">
-      <dgm:prSet presAssocID="{65EA1D99-B351-4AED-BFA7-0E49CB6BCD8F}" presName="linNode" presStyleCnt="0"/>
+    <dgm:pt modelId="{85B1DDF0-D9AF-476C-AA61-F78C27E2EC6D}" type="pres">
+      <dgm:prSet presAssocID="{6A0D8C3F-6AC5-474E-AE8F-0715151574CB}" presName="horz1" presStyleCnt="0"/>
       <dgm:spPr/>
     </dgm:pt>
-    <dgm:pt modelId="{BF9E4435-1B3A-44ED-A2C4-AB1CCA2171F6}" type="pres">
-      <dgm:prSet presAssocID="{65EA1D99-B351-4AED-BFA7-0E49CB6BCD8F}" presName="parentText" presStyleLbl="node1" presStyleIdx="3" presStyleCnt="10">
-        <dgm:presLayoutVars>
-          <dgm:chMax val="1"/>
-          <dgm:bulletEnabled val="1"/>
-        </dgm:presLayoutVars>
-      </dgm:prSet>
+    <dgm:pt modelId="{491AC8E0-6EA9-4CB4-BACF-A27F4788A357}" type="pres">
+      <dgm:prSet presAssocID="{6A0D8C3F-6AC5-474E-AE8F-0715151574CB}" presName="tx1" presStyleLbl="revTx" presStyleIdx="2" presStyleCnt="10"/>
       <dgm:spPr/>
     </dgm:pt>
-    <dgm:pt modelId="{0E6A16A0-EBF7-4CC3-9AC1-B85109259C88}" type="pres">
-      <dgm:prSet presAssocID="{88B26E06-BF72-4E3A-BA44-C7F729F6673B}" presName="sp" presStyleCnt="0"/>
+    <dgm:pt modelId="{74F2A33D-13DB-419A-B9E3-D8229A4CD740}" type="pres">
+      <dgm:prSet presAssocID="{6A0D8C3F-6AC5-474E-AE8F-0715151574CB}" presName="vert1" presStyleCnt="0"/>
       <dgm:spPr/>
     </dgm:pt>
-    <dgm:pt modelId="{C0384601-A0CA-492E-8C64-51EE958BED89}" type="pres">
-      <dgm:prSet presAssocID="{C94FB154-A870-4F1F-886A-D98F2990CFD4}" presName="linNode" presStyleCnt="0"/>
+    <dgm:pt modelId="{4AF41AA1-3F89-4080-A90C-07B2795C5D6F}" type="pres">
+      <dgm:prSet presAssocID="{65EA1D99-B351-4AED-BFA7-0E49CB6BCD8F}" presName="thickLine" presStyleLbl="alignNode1" presStyleIdx="3" presStyleCnt="10"/>
       <dgm:spPr/>
     </dgm:pt>
-    <dgm:pt modelId="{F9F07B60-FAD1-443B-928E-C13F32672597}" type="pres">
-      <dgm:prSet presAssocID="{C94FB154-A870-4F1F-886A-D98F2990CFD4}" presName="parentText" presStyleLbl="node1" presStyleIdx="4" presStyleCnt="10">
-        <dgm:presLayoutVars>
-          <dgm:chMax val="1"/>
-          <dgm:bulletEnabled val="1"/>
-        </dgm:presLayoutVars>
-      </dgm:prSet>
+    <dgm:pt modelId="{500A3C9E-F044-4D06-9E2A-14C5283CFAB7}" type="pres">
+      <dgm:prSet presAssocID="{65EA1D99-B351-4AED-BFA7-0E49CB6BCD8F}" presName="horz1" presStyleCnt="0"/>
       <dgm:spPr/>
     </dgm:pt>
-    <dgm:pt modelId="{2FB36C6A-4249-45D0-BE05-4B8A4A28145E}" type="pres">
-      <dgm:prSet presAssocID="{FC659265-0A7D-4CC9-93CA-25A1D8A727A7}" presName="sp" presStyleCnt="0"/>
+    <dgm:pt modelId="{81F330FA-2FE9-4FCA-BF11-EC2227591244}" type="pres">
+      <dgm:prSet presAssocID="{65EA1D99-B351-4AED-BFA7-0E49CB6BCD8F}" presName="tx1" presStyleLbl="revTx" presStyleIdx="3" presStyleCnt="10"/>
       <dgm:spPr/>
     </dgm:pt>
-    <dgm:pt modelId="{56830B97-F7F0-4F16-9A39-ADD4A18D0FF0}" type="pres">
-      <dgm:prSet presAssocID="{B9AC314E-9ED5-408C-A0B6-C5952F880D1F}" presName="linNode" presStyleCnt="0"/>
+    <dgm:pt modelId="{FC18E8CC-5CDC-4A92-B104-BD1FF0A2F517}" type="pres">
+      <dgm:prSet presAssocID="{65EA1D99-B351-4AED-BFA7-0E49CB6BCD8F}" presName="vert1" presStyleCnt="0"/>
       <dgm:spPr/>
     </dgm:pt>
-    <dgm:pt modelId="{C578C39E-373E-4F7F-A4F2-256FF2116670}" type="pres">
-      <dgm:prSet presAssocID="{B9AC314E-9ED5-408C-A0B6-C5952F880D1F}" presName="parentText" presStyleLbl="node1" presStyleIdx="5" presStyleCnt="10">
-        <dgm:presLayoutVars>
-          <dgm:chMax val="1"/>
-          <dgm:bulletEnabled val="1"/>
-        </dgm:presLayoutVars>
-      </dgm:prSet>
+    <dgm:pt modelId="{BCA3051D-F84D-458C-BEDF-61D1041704B8}" type="pres">
+      <dgm:prSet presAssocID="{C94FB154-A870-4F1F-886A-D98F2990CFD4}" presName="thickLine" presStyleLbl="alignNode1" presStyleIdx="4" presStyleCnt="10"/>
       <dgm:spPr/>
     </dgm:pt>
-    <dgm:pt modelId="{9FE63D5E-3C9B-4529-86EA-6212230FC6AD}" type="pres">
-      <dgm:prSet presAssocID="{954DB480-D1CB-41D6-AABB-C436E1C72C48}" presName="sp" presStyleCnt="0"/>
+    <dgm:pt modelId="{F24BC816-7367-46A3-ADC8-2F664A7E743C}" type="pres">
+      <dgm:prSet presAssocID="{C94FB154-A870-4F1F-886A-D98F2990CFD4}" presName="horz1" presStyleCnt="0"/>
       <dgm:spPr/>
     </dgm:pt>
-    <dgm:pt modelId="{AB1D1677-22BB-43FF-A59C-B9BBDA4A5B39}" type="pres">
-      <dgm:prSet presAssocID="{019CD41B-240A-4598-A184-F4EC9AD6F566}" presName="linNode" presStyleCnt="0"/>
+    <dgm:pt modelId="{848355A4-24EE-4B62-B402-8546E1D67774}" type="pres">
+      <dgm:prSet presAssocID="{C94FB154-A870-4F1F-886A-D98F2990CFD4}" presName="tx1" presStyleLbl="revTx" presStyleIdx="4" presStyleCnt="10"/>
       <dgm:spPr/>
     </dgm:pt>
-    <dgm:pt modelId="{A247357B-091A-436B-97F3-891C431E4D13}" type="pres">
-      <dgm:prSet presAssocID="{019CD41B-240A-4598-A184-F4EC9AD6F566}" presName="parentText" presStyleLbl="node1" presStyleIdx="6" presStyleCnt="10">
-        <dgm:presLayoutVars>
-          <dgm:chMax val="1"/>
-          <dgm:bulletEnabled val="1"/>
-        </dgm:presLayoutVars>
-      </dgm:prSet>
+    <dgm:pt modelId="{59AF3C00-36A7-4333-9950-36DCB243FD86}" type="pres">
+      <dgm:prSet presAssocID="{C94FB154-A870-4F1F-886A-D98F2990CFD4}" presName="vert1" presStyleCnt="0"/>
       <dgm:spPr/>
     </dgm:pt>
-    <dgm:pt modelId="{2409FE54-9E29-4402-8CE5-97457DAA8AED}" type="pres">
-      <dgm:prSet presAssocID="{B0077565-664C-4EC0-A9ED-2C107F329A2F}" presName="sp" presStyleCnt="0"/>
+    <dgm:pt modelId="{7EB8E127-C2C0-4B49-8BCC-9E9FA1214622}" type="pres">
+      <dgm:prSet presAssocID="{B9AC314E-9ED5-408C-A0B6-C5952F880D1F}" presName="thickLine" presStyleLbl="alignNode1" presStyleIdx="5" presStyleCnt="10"/>
       <dgm:spPr/>
     </dgm:pt>
-    <dgm:pt modelId="{DF233139-BA60-4CA8-92EA-A7B184C25902}" type="pres">
-      <dgm:prSet presAssocID="{A095D404-3C6F-4B06-8171-4552DFF95B9F}" presName="linNode" presStyleCnt="0"/>
+    <dgm:pt modelId="{A1F4B3CC-877E-41A9-AA06-352D7B8C85E8}" type="pres">
+      <dgm:prSet presAssocID="{B9AC314E-9ED5-408C-A0B6-C5952F880D1F}" presName="horz1" presStyleCnt="0"/>
       <dgm:spPr/>
     </dgm:pt>
-    <dgm:pt modelId="{346144C1-CF69-4D2C-B262-41E3E1F13B92}" type="pres">
-      <dgm:prSet presAssocID="{A095D404-3C6F-4B06-8171-4552DFF95B9F}" presName="parentText" presStyleLbl="node1" presStyleIdx="7" presStyleCnt="10">
-        <dgm:presLayoutVars>
-          <dgm:chMax val="1"/>
-          <dgm:bulletEnabled val="1"/>
-        </dgm:presLayoutVars>
-      </dgm:prSet>
+    <dgm:pt modelId="{6D68C22D-E1C9-442B-887B-A76DEC6A0891}" type="pres">
+      <dgm:prSet presAssocID="{B9AC314E-9ED5-408C-A0B6-C5952F880D1F}" presName="tx1" presStyleLbl="revTx" presStyleIdx="5" presStyleCnt="10"/>
       <dgm:spPr/>
     </dgm:pt>
-    <dgm:pt modelId="{14090007-5AED-4CC8-B9D7-18B6B453909D}" type="pres">
-      <dgm:prSet presAssocID="{6EC5A1B3-1274-4345-87B5-67EA49849B50}" presName="sp" presStyleCnt="0"/>
+    <dgm:pt modelId="{89676669-18D9-4B2A-BD85-55F5A4EDC538}" type="pres">
+      <dgm:prSet presAssocID="{B9AC314E-9ED5-408C-A0B6-C5952F880D1F}" presName="vert1" presStyleCnt="0"/>
       <dgm:spPr/>
     </dgm:pt>
-    <dgm:pt modelId="{29C739E6-5BFB-418B-9301-3CAE98758472}" type="pres">
-      <dgm:prSet presAssocID="{BBE541A1-B181-483D-9652-79286CAB5A94}" presName="linNode" presStyleCnt="0"/>
+    <dgm:pt modelId="{D4F925B6-3FB9-4CF2-8716-A4FFBE4AB85F}" type="pres">
+      <dgm:prSet presAssocID="{019CD41B-240A-4598-A184-F4EC9AD6F566}" presName="thickLine" presStyleLbl="alignNode1" presStyleIdx="6" presStyleCnt="10"/>
       <dgm:spPr/>
     </dgm:pt>
-    <dgm:pt modelId="{087D48E2-13C1-40C9-8C11-0493018A7917}" type="pres">
-      <dgm:prSet presAssocID="{BBE541A1-B181-483D-9652-79286CAB5A94}" presName="parentText" presStyleLbl="node1" presStyleIdx="8" presStyleCnt="10">
-        <dgm:presLayoutVars>
-          <dgm:chMax val="1"/>
-          <dgm:bulletEnabled val="1"/>
-        </dgm:presLayoutVars>
-      </dgm:prSet>
+    <dgm:pt modelId="{DE92CF08-EAFC-409D-A44E-CF8D764A1069}" type="pres">
+      <dgm:prSet presAssocID="{019CD41B-240A-4598-A184-F4EC9AD6F566}" presName="horz1" presStyleCnt="0"/>
       <dgm:spPr/>
     </dgm:pt>
-    <dgm:pt modelId="{41AD1367-6599-4A94-8E7D-2E03D615ED25}" type="pres">
-      <dgm:prSet presAssocID="{FA391797-38E3-46F6-B2DF-3A2CA83CD621}" presName="sp" presStyleCnt="0"/>
+    <dgm:pt modelId="{BE690792-EA6A-444D-92CB-976C72304C5F}" type="pres">
+      <dgm:prSet presAssocID="{019CD41B-240A-4598-A184-F4EC9AD6F566}" presName="tx1" presStyleLbl="revTx" presStyleIdx="6" presStyleCnt="10"/>
       <dgm:spPr/>
     </dgm:pt>
-    <dgm:pt modelId="{5597EC81-96E0-41E2-82F9-74FC491F4410}" type="pres">
-      <dgm:prSet presAssocID="{CDAC72E1-38E0-4C2E-859F-2DE410B0B828}" presName="linNode" presStyleCnt="0"/>
+    <dgm:pt modelId="{29AD76FF-816F-47BC-8BE8-FD6D9E3A7DDD}" type="pres">
+      <dgm:prSet presAssocID="{019CD41B-240A-4598-A184-F4EC9AD6F566}" presName="vert1" presStyleCnt="0"/>
       <dgm:spPr/>
     </dgm:pt>
-    <dgm:pt modelId="{76C444D0-138C-4BEA-9110-508F8B96057B}" type="pres">
-      <dgm:prSet presAssocID="{CDAC72E1-38E0-4C2E-859F-2DE410B0B828}" presName="parentText" presStyleLbl="node1" presStyleIdx="9" presStyleCnt="10">
-        <dgm:presLayoutVars>
-          <dgm:chMax val="1"/>
-          <dgm:bulletEnabled val="1"/>
-        </dgm:presLayoutVars>
-      </dgm:prSet>
+    <dgm:pt modelId="{A5B486CF-1E48-485A-B4BF-63F1C98432BC}" type="pres">
+      <dgm:prSet presAssocID="{A095D404-3C6F-4B06-8171-4552DFF95B9F}" presName="thickLine" presStyleLbl="alignNode1" presStyleIdx="7" presStyleCnt="10"/>
+      <dgm:spPr/>
+    </dgm:pt>
+    <dgm:pt modelId="{A111407C-6C07-43CF-9FEC-BB853B14B237}" type="pres">
+      <dgm:prSet presAssocID="{A095D404-3C6F-4B06-8171-4552DFF95B9F}" presName="horz1" presStyleCnt="0"/>
+      <dgm:spPr/>
+    </dgm:pt>
+    <dgm:pt modelId="{4E0D69EA-B3D1-4456-B00D-28726992D60A}" type="pres">
+      <dgm:prSet presAssocID="{A095D404-3C6F-4B06-8171-4552DFF95B9F}" presName="tx1" presStyleLbl="revTx" presStyleIdx="7" presStyleCnt="10"/>
+      <dgm:spPr/>
+    </dgm:pt>
+    <dgm:pt modelId="{023C7CE8-8BE9-4E92-B3FD-553BB04416D4}" type="pres">
+      <dgm:prSet presAssocID="{A095D404-3C6F-4B06-8171-4552DFF95B9F}" presName="vert1" presStyleCnt="0"/>
+      <dgm:spPr/>
+    </dgm:pt>
+    <dgm:pt modelId="{0FD8F6FE-E2FE-4FD5-8D11-382E99CF169D}" type="pres">
+      <dgm:prSet presAssocID="{BBE541A1-B181-483D-9652-79286CAB5A94}" presName="thickLine" presStyleLbl="alignNode1" presStyleIdx="8" presStyleCnt="10"/>
+      <dgm:spPr/>
+    </dgm:pt>
+    <dgm:pt modelId="{089A2269-F23F-4953-82D1-3248CE144B20}" type="pres">
+      <dgm:prSet presAssocID="{BBE541A1-B181-483D-9652-79286CAB5A94}" presName="horz1" presStyleCnt="0"/>
+      <dgm:spPr/>
+    </dgm:pt>
+    <dgm:pt modelId="{526981D6-CC44-4FB2-B738-69F747D22390}" type="pres">
+      <dgm:prSet presAssocID="{BBE541A1-B181-483D-9652-79286CAB5A94}" presName="tx1" presStyleLbl="revTx" presStyleIdx="8" presStyleCnt="10"/>
+      <dgm:spPr/>
+    </dgm:pt>
+    <dgm:pt modelId="{D8D0897F-F9AC-4285-8BD8-4B50FFDA4866}" type="pres">
+      <dgm:prSet presAssocID="{BBE541A1-B181-483D-9652-79286CAB5A94}" presName="vert1" presStyleCnt="0"/>
+      <dgm:spPr/>
+    </dgm:pt>
+    <dgm:pt modelId="{76508912-E76D-4B5C-87B5-0611AF9CA50D}" type="pres">
+      <dgm:prSet presAssocID="{CDAC72E1-38E0-4C2E-859F-2DE410B0B828}" presName="thickLine" presStyleLbl="alignNode1" presStyleIdx="9" presStyleCnt="10"/>
+      <dgm:spPr/>
+    </dgm:pt>
+    <dgm:pt modelId="{6EEFC615-342A-4362-A150-9D9134E72900}" type="pres">
+      <dgm:prSet presAssocID="{CDAC72E1-38E0-4C2E-859F-2DE410B0B828}" presName="horz1" presStyleCnt="0"/>
+      <dgm:spPr/>
+    </dgm:pt>
+    <dgm:pt modelId="{F75F757B-86CC-45A1-A91B-A7E0225BD833}" type="pres">
+      <dgm:prSet presAssocID="{CDAC72E1-38E0-4C2E-859F-2DE410B0B828}" presName="tx1" presStyleLbl="revTx" presStyleIdx="9" presStyleCnt="10"/>
+      <dgm:spPr/>
+    </dgm:pt>
+    <dgm:pt modelId="{0747C053-7297-4A31-8BB4-D7420DBB229A}" type="pres">
+      <dgm:prSet presAssocID="{CDAC72E1-38E0-4C2E-859F-2DE410B0B828}" presName="vert1" presStyleCnt="0"/>
       <dgm:spPr/>
     </dgm:pt>
   </dgm:ptLst>
   <dgm:cxnLst>
-    <dgm:cxn modelId="{D141FE18-8964-4BDC-86B7-F53245A6D797}" type="presOf" srcId="{CDAC72E1-38E0-4C2E-859F-2DE410B0B828}" destId="{76C444D0-138C-4BEA-9110-508F8B96057B}" srcOrd="0" destOrd="0" presId="urn:microsoft.com/office/officeart/2005/8/layout/vList5"/>
+    <dgm:cxn modelId="{F9394B04-0247-4EF8-9CBC-D596D96586DB}" type="presOf" srcId="{C94FB154-A870-4F1F-886A-D98F2990CFD4}" destId="{848355A4-24EE-4B62-B402-8546E1D67774}" srcOrd="0" destOrd="0" presId="urn:microsoft.com/office/officeart/2008/layout/LinedList"/>
     <dgm:cxn modelId="{D23ECA1E-137D-4450-834E-488871FF0A36}" srcId="{CCB71746-D3BE-4AFC-94B5-D611E9B24FB9}" destId="{B9AC314E-9ED5-408C-A0B6-C5952F880D1F}" srcOrd="5" destOrd="0" parTransId="{08300EC1-56ED-4461-930A-9DF0DDE6565C}" sibTransId="{954DB480-D1CB-41D6-AABB-C436E1C72C48}"/>
-    <dgm:cxn modelId="{F2A1CB20-F3AE-42AE-BDCA-2BB859F9A610}" type="presOf" srcId="{605CD56E-1130-4BE6-8CC1-7570119A1058}" destId="{1705F9D1-12BB-43BE-AF6A-7539F98799F0}" srcOrd="0" destOrd="0" presId="urn:microsoft.com/office/officeart/2005/8/layout/vList5"/>
-    <dgm:cxn modelId="{A925072D-A1BC-40F9-B8E6-B5DCB3FD11B5}" type="presOf" srcId="{6A0D8C3F-6AC5-474E-AE8F-0715151574CB}" destId="{ED2B54F7-2F01-47C4-B282-EA30BE903DF5}" srcOrd="0" destOrd="0" presId="urn:microsoft.com/office/officeart/2005/8/layout/vList5"/>
     <dgm:cxn modelId="{6C8EFB43-181F-4780-9C45-8CE8BE1F1385}" srcId="{CCB71746-D3BE-4AFC-94B5-D611E9B24FB9}" destId="{019CD41B-240A-4598-A184-F4EC9AD6F566}" srcOrd="6" destOrd="0" parTransId="{50F670A5-264F-4C50-82AB-F6BA2425D648}" sibTransId="{B0077565-664C-4EC0-A9ED-2C107F329A2F}"/>
+    <dgm:cxn modelId="{1F651144-6B4B-4BFE-9207-00CBA640626E}" type="presOf" srcId="{CDAC72E1-38E0-4C2E-859F-2DE410B0B828}" destId="{F75F757B-86CC-45A1-A91B-A7E0225BD833}" srcOrd="0" destOrd="0" presId="urn:microsoft.com/office/officeart/2008/layout/LinedList"/>
     <dgm:cxn modelId="{BA32CA4B-3C9A-484B-B9FF-34141778C014}" srcId="{CCB71746-D3BE-4AFC-94B5-D611E9B24FB9}" destId="{A095D404-3C6F-4B06-8171-4552DFF95B9F}" srcOrd="7" destOrd="0" parTransId="{0CBFC6BE-15F1-462C-8B5A-732F87478B47}" sibTransId="{6EC5A1B3-1274-4345-87B5-67EA49849B50}"/>
-    <dgm:cxn modelId="{79BCBB6C-F152-4B1A-BB8D-5FA2CAEBE1D6}" type="presOf" srcId="{A095D404-3C6F-4B06-8171-4552DFF95B9F}" destId="{346144C1-CF69-4D2C-B262-41E3E1F13B92}" srcOrd="0" destOrd="0" presId="urn:microsoft.com/office/officeart/2005/8/layout/vList5"/>
+    <dgm:cxn modelId="{FCF70872-73CC-485D-89E4-59A50D45119A}" type="presOf" srcId="{65EA1D99-B351-4AED-BFA7-0E49CB6BCD8F}" destId="{81F330FA-2FE9-4FCA-BF11-EC2227591244}" srcOrd="0" destOrd="0" presId="urn:microsoft.com/office/officeart/2008/layout/LinedList"/>
     <dgm:cxn modelId="{AF37C852-30A1-4632-9877-A735CED30519}" srcId="{CCB71746-D3BE-4AFC-94B5-D611E9B24FB9}" destId="{C94FB154-A870-4F1F-886A-D98F2990CFD4}" srcOrd="4" destOrd="0" parTransId="{7D34CA8B-1C38-491C-8C5B-6555F68D4C9D}" sibTransId="{FC659265-0A7D-4CC9-93CA-25A1D8A727A7}"/>
-    <dgm:cxn modelId="{811C8A79-3E16-4831-BC6D-14D3B1290941}" type="presOf" srcId="{65EA1D99-B351-4AED-BFA7-0E49CB6BCD8F}" destId="{BF9E4435-1B3A-44ED-A2C4-AB1CCA2171F6}" srcOrd="0" destOrd="0" presId="urn:microsoft.com/office/officeart/2005/8/layout/vList5"/>
-    <dgm:cxn modelId="{799DA17E-8C54-4CF5-AEA4-5723BA16E096}" type="presOf" srcId="{BBE541A1-B181-483D-9652-79286CAB5A94}" destId="{087D48E2-13C1-40C9-8C11-0493018A7917}" srcOrd="0" destOrd="0" presId="urn:microsoft.com/office/officeart/2005/8/layout/vList5"/>
     <dgm:cxn modelId="{3ECCE584-6633-4D42-A9C7-004222326770}" srcId="{CCB71746-D3BE-4AFC-94B5-D611E9B24FB9}" destId="{6A0D8C3F-6AC5-474E-AE8F-0715151574CB}" srcOrd="2" destOrd="0" parTransId="{90A196B8-0891-4E97-B155-2FCC3BA9845F}" sibTransId="{85624B01-CDC4-4C0F-9308-98BFF82BB900}"/>
+    <dgm:cxn modelId="{7CDCDB90-19FC-4544-9A3F-89DDCC3F97CD}" type="presOf" srcId="{CCB71746-D3BE-4AFC-94B5-D611E9B24FB9}" destId="{7009A771-FF76-4939-9752-47119D56BA07}" srcOrd="0" destOrd="0" presId="urn:microsoft.com/office/officeart/2008/layout/LinedList"/>
+    <dgm:cxn modelId="{E57D0D94-9080-4E3E-81A9-F6CD84674F94}" type="presOf" srcId="{019CD41B-240A-4598-A184-F4EC9AD6F566}" destId="{BE690792-EA6A-444D-92CB-976C72304C5F}" srcOrd="0" destOrd="0" presId="urn:microsoft.com/office/officeart/2008/layout/LinedList"/>
+    <dgm:cxn modelId="{D201D39C-F64B-4002-8515-2DA4D6C1A85C}" type="presOf" srcId="{605CD56E-1130-4BE6-8CC1-7570119A1058}" destId="{95C1530C-B069-48E1-8D86-0B54CAEBBAD3}" srcOrd="0" destOrd="0" presId="urn:microsoft.com/office/officeart/2008/layout/LinedList"/>
     <dgm:cxn modelId="{257BB49F-49FD-4060-AA3C-CE371EF6AD06}" srcId="{CCB71746-D3BE-4AFC-94B5-D611E9B24FB9}" destId="{605CD56E-1130-4BE6-8CC1-7570119A1058}" srcOrd="0" destOrd="0" parTransId="{05508741-5234-4818-B8A1-B31FC8E97A69}" sibTransId="{FAEC917A-828C-415B-AA31-4EA163AA322F}"/>
     <dgm:cxn modelId="{94D125AD-CB8B-4988-BDE3-EBD7FA2045A2}" srcId="{CCB71746-D3BE-4AFC-94B5-D611E9B24FB9}" destId="{CDAC72E1-38E0-4C2E-859F-2DE410B0B828}" srcOrd="9" destOrd="0" parTransId="{52D0D5D0-9AD1-41A7-B20A-018F0ACD9BD7}" sibTransId="{54D3DD0D-F347-4BD1-AEFC-EB96D28AD4EB}"/>
     <dgm:cxn modelId="{0ADD9DB1-9888-4528-BF55-14E50E86861A}" srcId="{CCB71746-D3BE-4AFC-94B5-D611E9B24FB9}" destId="{65EA1D99-B351-4AED-BFA7-0E49CB6BCD8F}" srcOrd="3" destOrd="0" parTransId="{65736102-7B03-498C-9E9A-86248C3DDCB3}" sibTransId="{88B26E06-BF72-4E3A-BA44-C7F729F6673B}"/>
     <dgm:cxn modelId="{636721B9-7CA4-4D01-89BC-9B64FF10A239}" srcId="{CCB71746-D3BE-4AFC-94B5-D611E9B24FB9}" destId="{68BAC278-BEF2-4733-8363-309C21BD38C9}" srcOrd="1" destOrd="0" parTransId="{3B77FEB6-67E2-48C2-8A47-7BE5B25A44A6}" sibTransId="{26CBF1BD-681F-4277-AF14-F214693FA546}"/>
+    <dgm:cxn modelId="{0CA0E8BE-FF02-411C-A34D-3089CF9AA994}" type="presOf" srcId="{6A0D8C3F-6AC5-474E-AE8F-0715151574CB}" destId="{491AC8E0-6EA9-4CB4-BACF-A27F4788A357}" srcOrd="0" destOrd="0" presId="urn:microsoft.com/office/officeart/2008/layout/LinedList"/>
     <dgm:cxn modelId="{43EE2AC2-602C-416B-ABB5-BD51C4CB16FA}" srcId="{CCB71746-D3BE-4AFC-94B5-D611E9B24FB9}" destId="{BBE541A1-B181-483D-9652-79286CAB5A94}" srcOrd="8" destOrd="0" parTransId="{CD5553F7-309C-4EA0-ACB5-185B4EC00F02}" sibTransId="{FA391797-38E3-46F6-B2DF-3A2CA83CD621}"/>
-    <dgm:cxn modelId="{29B0D3C8-19B4-4742-AAA6-476E22FA3F9A}" type="presOf" srcId="{CCB71746-D3BE-4AFC-94B5-D611E9B24FB9}" destId="{36B9B6DF-083F-44AB-AA93-9B2B88640EA9}" srcOrd="0" destOrd="0" presId="urn:microsoft.com/office/officeart/2005/8/layout/vList5"/>
-    <dgm:cxn modelId="{009A6DCA-6999-49ED-B05D-F763F06E04A2}" type="presOf" srcId="{68BAC278-BEF2-4733-8363-309C21BD38C9}" destId="{B4EE1610-096B-4186-B752-56418B72A934}" srcOrd="0" destOrd="0" presId="urn:microsoft.com/office/officeart/2005/8/layout/vList5"/>
-    <dgm:cxn modelId="{215670D5-6AF3-4D48-8A42-5067BA483615}" type="presOf" srcId="{C94FB154-A870-4F1F-886A-D98F2990CFD4}" destId="{F9F07B60-FAD1-443B-928E-C13F32672597}" srcOrd="0" destOrd="0" presId="urn:microsoft.com/office/officeart/2005/8/layout/vList5"/>
-    <dgm:cxn modelId="{6AAB2BF7-94BE-429E-B69E-A88E54E09074}" type="presOf" srcId="{019CD41B-240A-4598-A184-F4EC9AD6F566}" destId="{A247357B-091A-436B-97F3-891C431E4D13}" srcOrd="0" destOrd="0" presId="urn:microsoft.com/office/officeart/2005/8/layout/vList5"/>
-    <dgm:cxn modelId="{043758FD-C2F7-4D62-931D-45671DF43CA4}" type="presOf" srcId="{B9AC314E-9ED5-408C-A0B6-C5952F880D1F}" destId="{C578C39E-373E-4F7F-A4F2-256FF2116670}" srcOrd="0" destOrd="0" presId="urn:microsoft.com/office/officeart/2005/8/layout/vList5"/>
-    <dgm:cxn modelId="{6083555B-322E-4BCE-A78B-D75C8A61416C}" type="presParOf" srcId="{36B9B6DF-083F-44AB-AA93-9B2B88640EA9}" destId="{BB21D917-37B0-40D7-8903-767EBA20485A}" srcOrd="0" destOrd="0" presId="urn:microsoft.com/office/officeart/2005/8/layout/vList5"/>
-    <dgm:cxn modelId="{2CD22479-3996-4D04-80B2-F700BCF4FEEC}" type="presParOf" srcId="{BB21D917-37B0-40D7-8903-767EBA20485A}" destId="{1705F9D1-12BB-43BE-AF6A-7539F98799F0}" srcOrd="0" destOrd="0" presId="urn:microsoft.com/office/officeart/2005/8/layout/vList5"/>
-    <dgm:cxn modelId="{5188AD81-D1CA-4D91-AF2F-4DE6205DEDE7}" type="presParOf" srcId="{36B9B6DF-083F-44AB-AA93-9B2B88640EA9}" destId="{1F956DD0-477E-4F28-A8B7-F74804618E01}" srcOrd="1" destOrd="0" presId="urn:microsoft.com/office/officeart/2005/8/layout/vList5"/>
-    <dgm:cxn modelId="{94957E4D-DF66-48AD-B2D9-118FAC1A2954}" type="presParOf" srcId="{36B9B6DF-083F-44AB-AA93-9B2B88640EA9}" destId="{B2341BF8-E0DE-426B-85C2-23DE8340E9BC}" srcOrd="2" destOrd="0" presId="urn:microsoft.com/office/officeart/2005/8/layout/vList5"/>
-    <dgm:cxn modelId="{A6C3633D-9659-4A01-8582-0480FA434E61}" type="presParOf" srcId="{B2341BF8-E0DE-426B-85C2-23DE8340E9BC}" destId="{B4EE1610-096B-4186-B752-56418B72A934}" srcOrd="0" destOrd="0" presId="urn:microsoft.com/office/officeart/2005/8/layout/vList5"/>
-    <dgm:cxn modelId="{AE504A0B-B167-416D-BBAC-0D9D08E250E4}" type="presParOf" srcId="{36B9B6DF-083F-44AB-AA93-9B2B88640EA9}" destId="{53F1671A-CD9E-4DEA-9678-9A5203BCA494}" srcOrd="3" destOrd="0" presId="urn:microsoft.com/office/officeart/2005/8/layout/vList5"/>
-    <dgm:cxn modelId="{18B460CF-A254-492C-8A8B-398B7B679638}" type="presParOf" srcId="{36B9B6DF-083F-44AB-AA93-9B2B88640EA9}" destId="{1AC2C2B0-A09B-42B6-B12D-5DCA5AD4BD6E}" srcOrd="4" destOrd="0" presId="urn:microsoft.com/office/officeart/2005/8/layout/vList5"/>
-    <dgm:cxn modelId="{89B1CF14-58F4-4BF0-9DA3-8F7688073F75}" type="presParOf" srcId="{1AC2C2B0-A09B-42B6-B12D-5DCA5AD4BD6E}" destId="{ED2B54F7-2F01-47C4-B282-EA30BE903DF5}" srcOrd="0" destOrd="0" presId="urn:microsoft.com/office/officeart/2005/8/layout/vList5"/>
-    <dgm:cxn modelId="{5EE65984-D136-42EA-A499-B8890DB8DAE9}" type="presParOf" srcId="{36B9B6DF-083F-44AB-AA93-9B2B88640EA9}" destId="{05B26946-1F72-46A2-A1B0-4C4E891D5598}" srcOrd="5" destOrd="0" presId="urn:microsoft.com/office/officeart/2005/8/layout/vList5"/>
-    <dgm:cxn modelId="{D3F7EDD6-0FC0-4BB0-AB80-BC0F854D6A10}" type="presParOf" srcId="{36B9B6DF-083F-44AB-AA93-9B2B88640EA9}" destId="{67274973-779E-4A5D-9A7D-38AA0B7CE0C4}" srcOrd="6" destOrd="0" presId="urn:microsoft.com/office/officeart/2005/8/layout/vList5"/>
-    <dgm:cxn modelId="{1EFD4794-6015-4122-B8B9-1252E3C927A7}" type="presParOf" srcId="{67274973-779E-4A5D-9A7D-38AA0B7CE0C4}" destId="{BF9E4435-1B3A-44ED-A2C4-AB1CCA2171F6}" srcOrd="0" destOrd="0" presId="urn:microsoft.com/office/officeart/2005/8/layout/vList5"/>
-    <dgm:cxn modelId="{A9C0EA6E-16E8-4632-B1CA-E0F0984003A0}" type="presParOf" srcId="{36B9B6DF-083F-44AB-AA93-9B2B88640EA9}" destId="{0E6A16A0-EBF7-4CC3-9AC1-B85109259C88}" srcOrd="7" destOrd="0" presId="urn:microsoft.com/office/officeart/2005/8/layout/vList5"/>
-    <dgm:cxn modelId="{2F894830-53B0-4CB5-BF5A-29C671662D8D}" type="presParOf" srcId="{36B9B6DF-083F-44AB-AA93-9B2B88640EA9}" destId="{C0384601-A0CA-492E-8C64-51EE958BED89}" srcOrd="8" destOrd="0" presId="urn:microsoft.com/office/officeart/2005/8/layout/vList5"/>
-    <dgm:cxn modelId="{46719124-79DF-416B-9D65-500E9FADFD76}" type="presParOf" srcId="{C0384601-A0CA-492E-8C64-51EE958BED89}" destId="{F9F07B60-FAD1-443B-928E-C13F32672597}" srcOrd="0" destOrd="0" presId="urn:microsoft.com/office/officeart/2005/8/layout/vList5"/>
-    <dgm:cxn modelId="{CE5E96D4-8C46-48B9-AA19-18B353295355}" type="presParOf" srcId="{36B9B6DF-083F-44AB-AA93-9B2B88640EA9}" destId="{2FB36C6A-4249-45D0-BE05-4B8A4A28145E}" srcOrd="9" destOrd="0" presId="urn:microsoft.com/office/officeart/2005/8/layout/vList5"/>
-    <dgm:cxn modelId="{8223162F-17E0-44CC-AFEC-8BE29EFCD41B}" type="presParOf" srcId="{36B9B6DF-083F-44AB-AA93-9B2B88640EA9}" destId="{56830B97-F7F0-4F16-9A39-ADD4A18D0FF0}" srcOrd="10" destOrd="0" presId="urn:microsoft.com/office/officeart/2005/8/layout/vList5"/>
-    <dgm:cxn modelId="{7EC72941-F892-4ED6-BF6F-7C6C728E9F4A}" type="presParOf" srcId="{56830B97-F7F0-4F16-9A39-ADD4A18D0FF0}" destId="{C578C39E-373E-4F7F-A4F2-256FF2116670}" srcOrd="0" destOrd="0" presId="urn:microsoft.com/office/officeart/2005/8/layout/vList5"/>
-    <dgm:cxn modelId="{137C6D7C-D5F0-4A4B-9040-EFEBBC5A657A}" type="presParOf" srcId="{36B9B6DF-083F-44AB-AA93-9B2B88640EA9}" destId="{9FE63D5E-3C9B-4529-86EA-6212230FC6AD}" srcOrd="11" destOrd="0" presId="urn:microsoft.com/office/officeart/2005/8/layout/vList5"/>
-    <dgm:cxn modelId="{306CDA17-7758-4053-A381-663CB9F841E0}" type="presParOf" srcId="{36B9B6DF-083F-44AB-AA93-9B2B88640EA9}" destId="{AB1D1677-22BB-43FF-A59C-B9BBDA4A5B39}" srcOrd="12" destOrd="0" presId="urn:microsoft.com/office/officeart/2005/8/layout/vList5"/>
-    <dgm:cxn modelId="{1236B694-1B31-468A-8FA8-CE5510E62A12}" type="presParOf" srcId="{AB1D1677-22BB-43FF-A59C-B9BBDA4A5B39}" destId="{A247357B-091A-436B-97F3-891C431E4D13}" srcOrd="0" destOrd="0" presId="urn:microsoft.com/office/officeart/2005/8/layout/vList5"/>
-    <dgm:cxn modelId="{AA694825-A69B-4296-8AB9-F98DF7729C0D}" type="presParOf" srcId="{36B9B6DF-083F-44AB-AA93-9B2B88640EA9}" destId="{2409FE54-9E29-4402-8CE5-97457DAA8AED}" srcOrd="13" destOrd="0" presId="urn:microsoft.com/office/officeart/2005/8/layout/vList5"/>
-    <dgm:cxn modelId="{774AB28E-2C9E-40B1-B6AA-F3CD3B555C81}" type="presParOf" srcId="{36B9B6DF-083F-44AB-AA93-9B2B88640EA9}" destId="{DF233139-BA60-4CA8-92EA-A7B184C25902}" srcOrd="14" destOrd="0" presId="urn:microsoft.com/office/officeart/2005/8/layout/vList5"/>
-    <dgm:cxn modelId="{7C68AE82-A34B-44DB-8E30-89564D1F5BB5}" type="presParOf" srcId="{DF233139-BA60-4CA8-92EA-A7B184C25902}" destId="{346144C1-CF69-4D2C-B262-41E3E1F13B92}" srcOrd="0" destOrd="0" presId="urn:microsoft.com/office/officeart/2005/8/layout/vList5"/>
-    <dgm:cxn modelId="{51B64F7B-A012-45D2-A104-129AE1217103}" type="presParOf" srcId="{36B9B6DF-083F-44AB-AA93-9B2B88640EA9}" destId="{14090007-5AED-4CC8-B9D7-18B6B453909D}" srcOrd="15" destOrd="0" presId="urn:microsoft.com/office/officeart/2005/8/layout/vList5"/>
-    <dgm:cxn modelId="{C3C96F67-693C-47BE-9F0F-EF855A38585D}" type="presParOf" srcId="{36B9B6DF-083F-44AB-AA93-9B2B88640EA9}" destId="{29C739E6-5BFB-418B-9301-3CAE98758472}" srcOrd="16" destOrd="0" presId="urn:microsoft.com/office/officeart/2005/8/layout/vList5"/>
-    <dgm:cxn modelId="{0E07B92C-3C67-46C5-B034-4EC5DF90A77C}" type="presParOf" srcId="{29C739E6-5BFB-418B-9301-3CAE98758472}" destId="{087D48E2-13C1-40C9-8C11-0493018A7917}" srcOrd="0" destOrd="0" presId="urn:microsoft.com/office/officeart/2005/8/layout/vList5"/>
-    <dgm:cxn modelId="{120624AA-FB81-42B6-8CEF-41480ECE39CC}" type="presParOf" srcId="{36B9B6DF-083F-44AB-AA93-9B2B88640EA9}" destId="{41AD1367-6599-4A94-8E7D-2E03D615ED25}" srcOrd="17" destOrd="0" presId="urn:microsoft.com/office/officeart/2005/8/layout/vList5"/>
-    <dgm:cxn modelId="{D1E90B42-718E-4A1A-9331-4E4B2B5C3927}" type="presParOf" srcId="{36B9B6DF-083F-44AB-AA93-9B2B88640EA9}" destId="{5597EC81-96E0-41E2-82F9-74FC491F4410}" srcOrd="18" destOrd="0" presId="urn:microsoft.com/office/officeart/2005/8/layout/vList5"/>
-    <dgm:cxn modelId="{CC72427E-4C05-43CF-92E6-AAFA6D12174B}" type="presParOf" srcId="{5597EC81-96E0-41E2-82F9-74FC491F4410}" destId="{76C444D0-138C-4BEA-9110-508F8B96057B}" srcOrd="0" destOrd="0" presId="urn:microsoft.com/office/officeart/2005/8/layout/vList5"/>
+    <dgm:cxn modelId="{946720CA-349C-46A7-8795-FDE9FC0B4ACC}" type="presOf" srcId="{B9AC314E-9ED5-408C-A0B6-C5952F880D1F}" destId="{6D68C22D-E1C9-442B-887B-A76DEC6A0891}" srcOrd="0" destOrd="0" presId="urn:microsoft.com/office/officeart/2008/layout/LinedList"/>
+    <dgm:cxn modelId="{105BB2D9-9496-4165-9E3A-D569C42FFC6C}" type="presOf" srcId="{A095D404-3C6F-4B06-8171-4552DFF95B9F}" destId="{4E0D69EA-B3D1-4456-B00D-28726992D60A}" srcOrd="0" destOrd="0" presId="urn:microsoft.com/office/officeart/2008/layout/LinedList"/>
+    <dgm:cxn modelId="{363042EC-2B85-4117-81D1-6C635EEA8923}" type="presOf" srcId="{68BAC278-BEF2-4733-8363-309C21BD38C9}" destId="{55F1D53F-08DB-4B56-8279-AB61D9BE5E32}" srcOrd="0" destOrd="0" presId="urn:microsoft.com/office/officeart/2008/layout/LinedList"/>
+    <dgm:cxn modelId="{C782C2F9-CE6B-47E5-8B27-10AFDB59DC3F}" type="presOf" srcId="{BBE541A1-B181-483D-9652-79286CAB5A94}" destId="{526981D6-CC44-4FB2-B738-69F747D22390}" srcOrd="0" destOrd="0" presId="urn:microsoft.com/office/officeart/2008/layout/LinedList"/>
+    <dgm:cxn modelId="{90D4949A-6DB9-4279-AAF7-111AA8DD6008}" type="presParOf" srcId="{7009A771-FF76-4939-9752-47119D56BA07}" destId="{13FA8DD4-3DB5-440D-A5F2-D2C4C95E3F68}" srcOrd="0" destOrd="0" presId="urn:microsoft.com/office/officeart/2008/layout/LinedList"/>
+    <dgm:cxn modelId="{F0368F40-DB47-4D7D-A9B7-031F1953F2EA}" type="presParOf" srcId="{7009A771-FF76-4939-9752-47119D56BA07}" destId="{08DC9C29-CDFF-4003-B975-CA0DDA14C57A}" srcOrd="1" destOrd="0" presId="urn:microsoft.com/office/officeart/2008/layout/LinedList"/>
+    <dgm:cxn modelId="{8FB24A39-E310-4F60-AB2C-6C61DCA41880}" type="presParOf" srcId="{08DC9C29-CDFF-4003-B975-CA0DDA14C57A}" destId="{95C1530C-B069-48E1-8D86-0B54CAEBBAD3}" srcOrd="0" destOrd="0" presId="urn:microsoft.com/office/officeart/2008/layout/LinedList"/>
+    <dgm:cxn modelId="{93861D60-1104-47E1-9E38-40327861B226}" type="presParOf" srcId="{08DC9C29-CDFF-4003-B975-CA0DDA14C57A}" destId="{C6D6774B-42B9-4D89-96E2-03EA5F838BE5}" srcOrd="1" destOrd="0" presId="urn:microsoft.com/office/officeart/2008/layout/LinedList"/>
+    <dgm:cxn modelId="{AA26056C-7670-4CB0-AB74-68A7D92935E8}" type="presParOf" srcId="{7009A771-FF76-4939-9752-47119D56BA07}" destId="{58F5A0A5-03F3-4CFF-BDE2-DE42E8213252}" srcOrd="2" destOrd="0" presId="urn:microsoft.com/office/officeart/2008/layout/LinedList"/>
+    <dgm:cxn modelId="{17F3429C-4828-4F53-AFFA-5D5AD97CFB02}" type="presParOf" srcId="{7009A771-FF76-4939-9752-47119D56BA07}" destId="{51937670-661C-4052-97CE-B9F7B23F9753}" srcOrd="3" destOrd="0" presId="urn:microsoft.com/office/officeart/2008/layout/LinedList"/>
+    <dgm:cxn modelId="{A27F6129-4AC4-4C52-9CC8-B53F59979214}" type="presParOf" srcId="{51937670-661C-4052-97CE-B9F7B23F9753}" destId="{55F1D53F-08DB-4B56-8279-AB61D9BE5E32}" srcOrd="0" destOrd="0" presId="urn:microsoft.com/office/officeart/2008/layout/LinedList"/>
+    <dgm:cxn modelId="{D100023E-5EE8-41B4-8BB5-E99170C4D2CA}" type="presParOf" srcId="{51937670-661C-4052-97CE-B9F7B23F9753}" destId="{AECBA76C-7A55-4E1F-B32D-D4A3B502ACCB}" srcOrd="1" destOrd="0" presId="urn:microsoft.com/office/officeart/2008/layout/LinedList"/>
+    <dgm:cxn modelId="{A2ED2AAC-B57B-4CDB-A741-EE16BD3A73D7}" type="presParOf" srcId="{7009A771-FF76-4939-9752-47119D56BA07}" destId="{FA5EB51F-358E-4CAD-8150-F93D422189AE}" srcOrd="4" destOrd="0" presId="urn:microsoft.com/office/officeart/2008/layout/LinedList"/>
+    <dgm:cxn modelId="{5AFB51E9-24C3-4938-80A1-24120CFFA264}" type="presParOf" srcId="{7009A771-FF76-4939-9752-47119D56BA07}" destId="{85B1DDF0-D9AF-476C-AA61-F78C27E2EC6D}" srcOrd="5" destOrd="0" presId="urn:microsoft.com/office/officeart/2008/layout/LinedList"/>
+    <dgm:cxn modelId="{3AFA727E-5B5B-4BB3-BA77-1A990A7C4CB3}" type="presParOf" srcId="{85B1DDF0-D9AF-476C-AA61-F78C27E2EC6D}" destId="{491AC8E0-6EA9-4CB4-BACF-A27F4788A357}" srcOrd="0" destOrd="0" presId="urn:microsoft.com/office/officeart/2008/layout/LinedList"/>
+    <dgm:cxn modelId="{C71F0100-05D6-41D5-B614-B85DEE1A7AC5}" type="presParOf" srcId="{85B1DDF0-D9AF-476C-AA61-F78C27E2EC6D}" destId="{74F2A33D-13DB-419A-B9E3-D8229A4CD740}" srcOrd="1" destOrd="0" presId="urn:microsoft.com/office/officeart/2008/layout/LinedList"/>
+    <dgm:cxn modelId="{248C4A9B-08AA-49B4-B2AB-54F2CA367E51}" type="presParOf" srcId="{7009A771-FF76-4939-9752-47119D56BA07}" destId="{4AF41AA1-3F89-4080-A90C-07B2795C5D6F}" srcOrd="6" destOrd="0" presId="urn:microsoft.com/office/officeart/2008/layout/LinedList"/>
+    <dgm:cxn modelId="{8F46C7FC-C400-4ED4-B87A-B9788B798690}" type="presParOf" srcId="{7009A771-FF76-4939-9752-47119D56BA07}" destId="{500A3C9E-F044-4D06-9E2A-14C5283CFAB7}" srcOrd="7" destOrd="0" presId="urn:microsoft.com/office/officeart/2008/layout/LinedList"/>
+    <dgm:cxn modelId="{7C5CF005-11C4-4D60-A39C-D2DB8B572F7A}" type="presParOf" srcId="{500A3C9E-F044-4D06-9E2A-14C5283CFAB7}" destId="{81F330FA-2FE9-4FCA-BF11-EC2227591244}" srcOrd="0" destOrd="0" presId="urn:microsoft.com/office/officeart/2008/layout/LinedList"/>
+    <dgm:cxn modelId="{2901AE84-7606-473A-80A5-21140E447C38}" type="presParOf" srcId="{500A3C9E-F044-4D06-9E2A-14C5283CFAB7}" destId="{FC18E8CC-5CDC-4A92-B104-BD1FF0A2F517}" srcOrd="1" destOrd="0" presId="urn:microsoft.com/office/officeart/2008/layout/LinedList"/>
+    <dgm:cxn modelId="{2C2162DA-2B87-426F-81BF-7B9BBF474399}" type="presParOf" srcId="{7009A771-FF76-4939-9752-47119D56BA07}" destId="{BCA3051D-F84D-458C-BEDF-61D1041704B8}" srcOrd="8" destOrd="0" presId="urn:microsoft.com/office/officeart/2008/layout/LinedList"/>
+    <dgm:cxn modelId="{89461265-CE0D-4E25-A2A3-9A8CF0F55DE5}" type="presParOf" srcId="{7009A771-FF76-4939-9752-47119D56BA07}" destId="{F24BC816-7367-46A3-ADC8-2F664A7E743C}" srcOrd="9" destOrd="0" presId="urn:microsoft.com/office/officeart/2008/layout/LinedList"/>
+    <dgm:cxn modelId="{2849D306-D926-404B-8C7E-46BD6B85247F}" type="presParOf" srcId="{F24BC816-7367-46A3-ADC8-2F664A7E743C}" destId="{848355A4-24EE-4B62-B402-8546E1D67774}" srcOrd="0" destOrd="0" presId="urn:microsoft.com/office/officeart/2008/layout/LinedList"/>
+    <dgm:cxn modelId="{63484F23-BAFE-4D92-8B7B-E5299297DB44}" type="presParOf" srcId="{F24BC816-7367-46A3-ADC8-2F664A7E743C}" destId="{59AF3C00-36A7-4333-9950-36DCB243FD86}" srcOrd="1" destOrd="0" presId="urn:microsoft.com/office/officeart/2008/layout/LinedList"/>
+    <dgm:cxn modelId="{DA1DEBC3-DF79-4B90-833B-62DC9AD10EB3}" type="presParOf" srcId="{7009A771-FF76-4939-9752-47119D56BA07}" destId="{7EB8E127-C2C0-4B49-8BCC-9E9FA1214622}" srcOrd="10" destOrd="0" presId="urn:microsoft.com/office/officeart/2008/layout/LinedList"/>
+    <dgm:cxn modelId="{C7E03677-D652-417D-B6B7-54552241B62F}" type="presParOf" srcId="{7009A771-FF76-4939-9752-47119D56BA07}" destId="{A1F4B3CC-877E-41A9-AA06-352D7B8C85E8}" srcOrd="11" destOrd="0" presId="urn:microsoft.com/office/officeart/2008/layout/LinedList"/>
+    <dgm:cxn modelId="{256D04F3-CA2B-4039-B511-02B963A25814}" type="presParOf" srcId="{A1F4B3CC-877E-41A9-AA06-352D7B8C85E8}" destId="{6D68C22D-E1C9-442B-887B-A76DEC6A0891}" srcOrd="0" destOrd="0" presId="urn:microsoft.com/office/officeart/2008/layout/LinedList"/>
+    <dgm:cxn modelId="{CADD482F-EFB5-4158-BB9E-8F544FD1C2D9}" type="presParOf" srcId="{A1F4B3CC-877E-41A9-AA06-352D7B8C85E8}" destId="{89676669-18D9-4B2A-BD85-55F5A4EDC538}" srcOrd="1" destOrd="0" presId="urn:microsoft.com/office/officeart/2008/layout/LinedList"/>
+    <dgm:cxn modelId="{34F70272-E9BC-4B7C-80C8-2E25380DB244}" type="presParOf" srcId="{7009A771-FF76-4939-9752-47119D56BA07}" destId="{D4F925B6-3FB9-4CF2-8716-A4FFBE4AB85F}" srcOrd="12" destOrd="0" presId="urn:microsoft.com/office/officeart/2008/layout/LinedList"/>
+    <dgm:cxn modelId="{5246955A-3E30-424A-9A34-7B52E5473E96}" type="presParOf" srcId="{7009A771-FF76-4939-9752-47119D56BA07}" destId="{DE92CF08-EAFC-409D-A44E-CF8D764A1069}" srcOrd="13" destOrd="0" presId="urn:microsoft.com/office/officeart/2008/layout/LinedList"/>
+    <dgm:cxn modelId="{4663350E-894A-496E-8CF6-3654F876416A}" type="presParOf" srcId="{DE92CF08-EAFC-409D-A44E-CF8D764A1069}" destId="{BE690792-EA6A-444D-92CB-976C72304C5F}" srcOrd="0" destOrd="0" presId="urn:microsoft.com/office/officeart/2008/layout/LinedList"/>
+    <dgm:cxn modelId="{5A4B66A7-9BEA-475A-9E36-CD841F48ACD9}" type="presParOf" srcId="{DE92CF08-EAFC-409D-A44E-CF8D764A1069}" destId="{29AD76FF-816F-47BC-8BE8-FD6D9E3A7DDD}" srcOrd="1" destOrd="0" presId="urn:microsoft.com/office/officeart/2008/layout/LinedList"/>
+    <dgm:cxn modelId="{D03868C0-9EBB-4261-9B67-2746891E07E1}" type="presParOf" srcId="{7009A771-FF76-4939-9752-47119D56BA07}" destId="{A5B486CF-1E48-485A-B4BF-63F1C98432BC}" srcOrd="14" destOrd="0" presId="urn:microsoft.com/office/officeart/2008/layout/LinedList"/>
+    <dgm:cxn modelId="{DD4076E5-3153-42A6-A474-CD9F8102CF11}" type="presParOf" srcId="{7009A771-FF76-4939-9752-47119D56BA07}" destId="{A111407C-6C07-43CF-9FEC-BB853B14B237}" srcOrd="15" destOrd="0" presId="urn:microsoft.com/office/officeart/2008/layout/LinedList"/>
+    <dgm:cxn modelId="{3F901B2E-8B97-408B-9EC5-B0589A93480E}" type="presParOf" srcId="{A111407C-6C07-43CF-9FEC-BB853B14B237}" destId="{4E0D69EA-B3D1-4456-B00D-28726992D60A}" srcOrd="0" destOrd="0" presId="urn:microsoft.com/office/officeart/2008/layout/LinedList"/>
+    <dgm:cxn modelId="{FF69D275-295C-4FC8-B663-B25857B8AAB0}" type="presParOf" srcId="{A111407C-6C07-43CF-9FEC-BB853B14B237}" destId="{023C7CE8-8BE9-4E92-B3FD-553BB04416D4}" srcOrd="1" destOrd="0" presId="urn:microsoft.com/office/officeart/2008/layout/LinedList"/>
+    <dgm:cxn modelId="{BFF2A3E5-D893-4FB1-A0A5-13C1960CDF92}" type="presParOf" srcId="{7009A771-FF76-4939-9752-47119D56BA07}" destId="{0FD8F6FE-E2FE-4FD5-8D11-382E99CF169D}" srcOrd="16" destOrd="0" presId="urn:microsoft.com/office/officeart/2008/layout/LinedList"/>
+    <dgm:cxn modelId="{F26E3597-E5A8-4D8D-B545-37E0D1935BFA}" type="presParOf" srcId="{7009A771-FF76-4939-9752-47119D56BA07}" destId="{089A2269-F23F-4953-82D1-3248CE144B20}" srcOrd="17" destOrd="0" presId="urn:microsoft.com/office/officeart/2008/layout/LinedList"/>
+    <dgm:cxn modelId="{70F526A2-681D-4939-8FFE-8F7ADD88151E}" type="presParOf" srcId="{089A2269-F23F-4953-82D1-3248CE144B20}" destId="{526981D6-CC44-4FB2-B738-69F747D22390}" srcOrd="0" destOrd="0" presId="urn:microsoft.com/office/officeart/2008/layout/LinedList"/>
+    <dgm:cxn modelId="{4A387357-F020-471D-9C86-4B8DBC3AA100}" type="presParOf" srcId="{089A2269-F23F-4953-82D1-3248CE144B20}" destId="{D8D0897F-F9AC-4285-8BD8-4B50FFDA4866}" srcOrd="1" destOrd="0" presId="urn:microsoft.com/office/officeart/2008/layout/LinedList"/>
+    <dgm:cxn modelId="{23992708-A29E-4518-ACA9-5EC5714B9A2F}" type="presParOf" srcId="{7009A771-FF76-4939-9752-47119D56BA07}" destId="{76508912-E76D-4B5C-87B5-0611AF9CA50D}" srcOrd="18" destOrd="0" presId="urn:microsoft.com/office/officeart/2008/layout/LinedList"/>
+    <dgm:cxn modelId="{B1126270-F4BB-42F4-A887-274A70846207}" type="presParOf" srcId="{7009A771-FF76-4939-9752-47119D56BA07}" destId="{6EEFC615-342A-4362-A150-9D9134E72900}" srcOrd="19" destOrd="0" presId="urn:microsoft.com/office/officeart/2008/layout/LinedList"/>
+    <dgm:cxn modelId="{39B530B2-000B-43CD-A345-5D8FC9C5B256}" type="presParOf" srcId="{6EEFC615-342A-4362-A150-9D9134E72900}" destId="{F75F757B-86CC-45A1-A91B-A7E0225BD833}" srcOrd="0" destOrd="0" presId="urn:microsoft.com/office/officeart/2008/layout/LinedList"/>
+    <dgm:cxn modelId="{EE78A914-8B28-4584-B344-55E505CB1D20}" type="presParOf" srcId="{6EEFC615-342A-4362-A150-9D9134E72900}" destId="{0747C053-7297-4A31-8BB4-D7420DBB229A}" srcOrd="1" destOrd="0" presId="urn:microsoft.com/office/officeart/2008/layout/LinedList"/>
   </dgm:cxnLst>
   <dgm:bg/>
   <dgm:whole/>
@@ -1561,17 +1566,17 @@
       <dsp:cNvGrpSpPr/>
     </dsp:nvGrpSpPr>
     <dsp:grpSpPr/>
-    <dsp:sp modelId="{1705F9D1-12BB-43BE-AF6A-7539F98799F0}">
+    <dsp:sp modelId="{13FA8DD4-3DB5-440D-A5F2-D2C4C95E3F68}">
       <dsp:nvSpPr>
         <dsp:cNvPr id="0" name=""/>
         <dsp:cNvSpPr/>
       </dsp:nvSpPr>
       <dsp:spPr>
         <a:xfrm>
-          <a:off x="3511296" y="2377"/>
-          <a:ext cx="3950208" cy="385816"/>
+          <a:off x="0" y="492"/>
+          <a:ext cx="10972800" cy="0"/>
         </a:xfrm>
-        <a:prstGeom prst="roundRect">
+        <a:prstGeom prst="line">
           <a:avLst/>
         </a:prstGeom>
         <a:solidFill>
@@ -1584,7 +1589,7 @@
         </a:solidFill>
         <a:ln w="12700" cap="flat" cmpd="sng" algn="ctr">
           <a:solidFill>
-            <a:schemeClr val="lt1">
+            <a:schemeClr val="accent1">
               <a:hueOff val="0"/>
               <a:satOff val="0"/>
               <a:lumOff val="0"/>
@@ -1610,13 +1615,45 @@
           <a:schemeClr val="lt1"/>
         </a:fontRef>
       </dsp:style>
+    </dsp:sp>
+    <dsp:sp modelId="{95C1530C-B069-48E1-8D86-0B54CAEBBAD3}">
+      <dsp:nvSpPr>
+        <dsp:cNvPr id="0" name=""/>
+        <dsp:cNvSpPr/>
+      </dsp:nvSpPr>
+      <dsp:spPr>
+        <a:xfrm>
+          <a:off x="0" y="492"/>
+          <a:ext cx="10972800" cy="403554"/>
+        </a:xfrm>
+        <a:prstGeom prst="rect">
+          <a:avLst/>
+        </a:prstGeom>
+        <a:noFill/>
+        <a:ln>
+          <a:noFill/>
+        </a:ln>
+        <a:effectLst/>
+      </dsp:spPr>
+      <dsp:style>
+        <a:lnRef idx="0">
+          <a:scrgbClr r="0" g="0" b="0"/>
+        </a:lnRef>
+        <a:fillRef idx="0">
+          <a:scrgbClr r="0" g="0" b="0"/>
+        </a:fillRef>
+        <a:effectRef idx="0">
+          <a:scrgbClr r="0" g="0" b="0"/>
+        </a:effectRef>
+        <a:fontRef idx="minor"/>
+      </dsp:style>
       <dsp:txBody>
-        <a:bodyPr spcFirstLastPara="0" vert="horz" wrap="square" lIns="41910" tIns="20955" rIns="41910" bIns="20955" numCol="1" spcCol="1270" anchor="ctr" anchorCtr="0">
+        <a:bodyPr spcFirstLastPara="0" vert="horz" wrap="square" lIns="68580" tIns="68580" rIns="68580" bIns="68580" numCol="1" spcCol="1270" anchor="t" anchorCtr="0">
           <a:noAutofit/>
         </a:bodyPr>
         <a:lstStyle/>
         <a:p>
-          <a:pPr marL="0" lvl="0" indent="0" algn="ctr" defTabSz="488950">
+          <a:pPr marL="0" lvl="0" indent="0" algn="l" defTabSz="800100">
             <a:lnSpc>
               <a:spcPct val="90000"/>
             </a:lnSpc>
@@ -1629,32 +1666,32 @@
             <a:buNone/>
           </a:pPr>
           <a:r>
-            <a:rPr lang="en-US" sz="1100" b="1" i="0" kern="1200" baseline="0"/>
+            <a:rPr lang="en-US" sz="1800" b="1" i="0" kern="1200" baseline="0"/>
             <a:t>Dataset:</a:t>
           </a:r>
           <a:r>
-            <a:rPr lang="en-US" sz="1100" b="0" i="0" kern="1200" baseline="0"/>
+            <a:rPr lang="en-US" sz="1800" b="0" i="0" kern="1200" baseline="0"/>
             <a:t> Taobao User Behavior Data (Nov 25 - Dec 2, 2017) </a:t>
           </a:r>
-          <a:endParaRPr lang="en-US" sz="1100" kern="1200"/>
+          <a:endParaRPr lang="en-US" sz="1800" kern="1200"/>
         </a:p>
       </dsp:txBody>
       <dsp:txXfrm>
-        <a:off x="3530130" y="21211"/>
-        <a:ext cx="3912540" cy="348148"/>
+        <a:off x="0" y="492"/>
+        <a:ext cx="10972800" cy="403554"/>
       </dsp:txXfrm>
     </dsp:sp>
-    <dsp:sp modelId="{B4EE1610-096B-4186-B752-56418B72A934}">
+    <dsp:sp modelId="{58F5A0A5-03F3-4CFF-BDE2-DE42E8213252}">
       <dsp:nvSpPr>
         <dsp:cNvPr id="0" name=""/>
         <dsp:cNvSpPr/>
       </dsp:nvSpPr>
       <dsp:spPr>
         <a:xfrm>
-          <a:off x="3511296" y="407484"/>
-          <a:ext cx="3950208" cy="385816"/>
+          <a:off x="0" y="404047"/>
+          <a:ext cx="10972800" cy="0"/>
         </a:xfrm>
-        <a:prstGeom prst="roundRect">
+        <a:prstGeom prst="line">
           <a:avLst/>
         </a:prstGeom>
         <a:solidFill>
@@ -1667,7 +1704,7 @@
         </a:solidFill>
         <a:ln w="12700" cap="flat" cmpd="sng" algn="ctr">
           <a:solidFill>
-            <a:schemeClr val="lt1">
+            <a:schemeClr val="accent1">
               <a:hueOff val="0"/>
               <a:satOff val="0"/>
               <a:lumOff val="0"/>
@@ -1693,13 +1730,45 @@
           <a:schemeClr val="lt1"/>
         </a:fontRef>
       </dsp:style>
+    </dsp:sp>
+    <dsp:sp modelId="{55F1D53F-08DB-4B56-8279-AB61D9BE5E32}">
+      <dsp:nvSpPr>
+        <dsp:cNvPr id="0" name=""/>
+        <dsp:cNvSpPr/>
+      </dsp:nvSpPr>
+      <dsp:spPr>
+        <a:xfrm>
+          <a:off x="0" y="404047"/>
+          <a:ext cx="10972800" cy="403554"/>
+        </a:xfrm>
+        <a:prstGeom prst="rect">
+          <a:avLst/>
+        </a:prstGeom>
+        <a:noFill/>
+        <a:ln>
+          <a:noFill/>
+        </a:ln>
+        <a:effectLst/>
+      </dsp:spPr>
+      <dsp:style>
+        <a:lnRef idx="0">
+          <a:scrgbClr r="0" g="0" b="0"/>
+        </a:lnRef>
+        <a:fillRef idx="0">
+          <a:scrgbClr r="0" g="0" b="0"/>
+        </a:fillRef>
+        <a:effectRef idx="0">
+          <a:scrgbClr r="0" g="0" b="0"/>
+        </a:effectRef>
+        <a:fontRef idx="minor"/>
+      </dsp:style>
       <dsp:txBody>
-        <a:bodyPr spcFirstLastPara="0" vert="horz" wrap="square" lIns="41910" tIns="20955" rIns="41910" bIns="20955" numCol="1" spcCol="1270" anchor="ctr" anchorCtr="0">
+        <a:bodyPr spcFirstLastPara="0" vert="horz" wrap="square" lIns="68580" tIns="68580" rIns="68580" bIns="68580" numCol="1" spcCol="1270" anchor="t" anchorCtr="0">
           <a:noAutofit/>
         </a:bodyPr>
         <a:lstStyle/>
         <a:p>
-          <a:pPr marL="0" lvl="0" indent="0" algn="ctr" defTabSz="488950">
+          <a:pPr marL="0" lvl="0" indent="0" algn="l" defTabSz="800100">
             <a:lnSpc>
               <a:spcPct val="90000"/>
             </a:lnSpc>
@@ -1712,32 +1781,32 @@
             <a:buNone/>
           </a:pPr>
           <a:r>
-            <a:rPr lang="en-US" sz="1100" b="1" i="0" kern="1200" baseline="0"/>
+            <a:rPr lang="en-US" sz="1800" b="1" i="0" kern="1200" baseline="0"/>
             <a:t>Scale:</a:t>
           </a:r>
           <a:r>
-            <a:rPr lang="en-US" sz="1100" b="0" i="0" kern="1200" baseline="0"/>
+            <a:rPr lang="en-US" sz="1800" b="0" i="0" kern="1200" baseline="0"/>
             <a:t> </a:t>
           </a:r>
-          <a:endParaRPr lang="en-US" sz="1100" kern="1200"/>
+          <a:endParaRPr lang="en-US" sz="1800" kern="1200"/>
         </a:p>
       </dsp:txBody>
       <dsp:txXfrm>
-        <a:off x="3530130" y="426318"/>
-        <a:ext cx="3912540" cy="348148"/>
+        <a:off x="0" y="404047"/>
+        <a:ext cx="10972800" cy="403554"/>
       </dsp:txXfrm>
     </dsp:sp>
-    <dsp:sp modelId="{ED2B54F7-2F01-47C4-B282-EA30BE903DF5}">
+    <dsp:sp modelId="{FA5EB51F-358E-4CAD-8150-F93D422189AE}">
       <dsp:nvSpPr>
         <dsp:cNvPr id="0" name=""/>
         <dsp:cNvSpPr/>
       </dsp:nvSpPr>
       <dsp:spPr>
         <a:xfrm>
-          <a:off x="3511296" y="812591"/>
-          <a:ext cx="3950208" cy="385816"/>
+          <a:off x="0" y="807602"/>
+          <a:ext cx="10972800" cy="0"/>
         </a:xfrm>
-        <a:prstGeom prst="roundRect">
+        <a:prstGeom prst="line">
           <a:avLst/>
         </a:prstGeom>
         <a:solidFill>
@@ -1750,7 +1819,7 @@
         </a:solidFill>
         <a:ln w="12700" cap="flat" cmpd="sng" algn="ctr">
           <a:solidFill>
-            <a:schemeClr val="lt1">
+            <a:schemeClr val="accent1">
               <a:hueOff val="0"/>
               <a:satOff val="0"/>
               <a:lumOff val="0"/>
@@ -1776,13 +1845,45 @@
           <a:schemeClr val="lt1"/>
         </a:fontRef>
       </dsp:style>
+    </dsp:sp>
+    <dsp:sp modelId="{491AC8E0-6EA9-4CB4-BACF-A27F4788A357}">
+      <dsp:nvSpPr>
+        <dsp:cNvPr id="0" name=""/>
+        <dsp:cNvSpPr/>
+      </dsp:nvSpPr>
+      <dsp:spPr>
+        <a:xfrm>
+          <a:off x="0" y="807602"/>
+          <a:ext cx="10972800" cy="403554"/>
+        </a:xfrm>
+        <a:prstGeom prst="rect">
+          <a:avLst/>
+        </a:prstGeom>
+        <a:noFill/>
+        <a:ln>
+          <a:noFill/>
+        </a:ln>
+        <a:effectLst/>
+      </dsp:spPr>
+      <dsp:style>
+        <a:lnRef idx="0">
+          <a:scrgbClr r="0" g="0" b="0"/>
+        </a:lnRef>
+        <a:fillRef idx="0">
+          <a:scrgbClr r="0" g="0" b="0"/>
+        </a:fillRef>
+        <a:effectRef idx="0">
+          <a:scrgbClr r="0" g="0" b="0"/>
+        </a:effectRef>
+        <a:fontRef idx="minor"/>
+      </dsp:style>
       <dsp:txBody>
-        <a:bodyPr spcFirstLastPara="0" vert="horz" wrap="square" lIns="41910" tIns="20955" rIns="41910" bIns="20955" numCol="1" spcCol="1270" anchor="ctr" anchorCtr="0">
+        <a:bodyPr spcFirstLastPara="0" vert="horz" wrap="square" lIns="68580" tIns="68580" rIns="68580" bIns="68580" numCol="1" spcCol="1270" anchor="t" anchorCtr="0">
           <a:noAutofit/>
         </a:bodyPr>
         <a:lstStyle/>
         <a:p>
-          <a:pPr marL="0" lvl="0" indent="0" algn="ctr" defTabSz="488950">
+          <a:pPr marL="0" lvl="0" indent="0" algn="l" defTabSz="800100">
             <a:lnSpc>
               <a:spcPct val="90000"/>
             </a:lnSpc>
@@ -1795,28 +1896,28 @@
             <a:buNone/>
           </a:pPr>
           <a:r>
-            <a:rPr lang="en-US" sz="1100" b="0" i="0" kern="1200" baseline="0"/>
+            <a:rPr lang="en-US" sz="1800" b="0" i="0" kern="1200" baseline="0"/>
             <a:t>86.9M interactions </a:t>
           </a:r>
-          <a:endParaRPr lang="en-US" sz="1100" kern="1200"/>
+          <a:endParaRPr lang="en-US" sz="1800" kern="1200"/>
         </a:p>
       </dsp:txBody>
       <dsp:txXfrm>
-        <a:off x="3530130" y="831425"/>
-        <a:ext cx="3912540" cy="348148"/>
+        <a:off x="0" y="807602"/>
+        <a:ext cx="10972800" cy="403554"/>
       </dsp:txXfrm>
     </dsp:sp>
-    <dsp:sp modelId="{BF9E4435-1B3A-44ED-A2C4-AB1CCA2171F6}">
+    <dsp:sp modelId="{4AF41AA1-3F89-4080-A90C-07B2795C5D6F}">
       <dsp:nvSpPr>
         <dsp:cNvPr id="0" name=""/>
         <dsp:cNvSpPr/>
       </dsp:nvSpPr>
       <dsp:spPr>
         <a:xfrm>
-          <a:off x="3511296" y="1217698"/>
-          <a:ext cx="3950208" cy="385816"/>
+          <a:off x="0" y="1211157"/>
+          <a:ext cx="10972800" cy="0"/>
         </a:xfrm>
-        <a:prstGeom prst="roundRect">
+        <a:prstGeom prst="line">
           <a:avLst/>
         </a:prstGeom>
         <a:solidFill>
@@ -1829,7 +1930,7 @@
         </a:solidFill>
         <a:ln w="12700" cap="flat" cmpd="sng" algn="ctr">
           <a:solidFill>
-            <a:schemeClr val="lt1">
+            <a:schemeClr val="accent1">
               <a:hueOff val="0"/>
               <a:satOff val="0"/>
               <a:lumOff val="0"/>
@@ -1855,13 +1956,45 @@
           <a:schemeClr val="lt1"/>
         </a:fontRef>
       </dsp:style>
+    </dsp:sp>
+    <dsp:sp modelId="{81F330FA-2FE9-4FCA-BF11-EC2227591244}">
+      <dsp:nvSpPr>
+        <dsp:cNvPr id="0" name=""/>
+        <dsp:cNvSpPr/>
+      </dsp:nvSpPr>
+      <dsp:spPr>
+        <a:xfrm>
+          <a:off x="0" y="1211157"/>
+          <a:ext cx="10972800" cy="403554"/>
+        </a:xfrm>
+        <a:prstGeom prst="rect">
+          <a:avLst/>
+        </a:prstGeom>
+        <a:noFill/>
+        <a:ln>
+          <a:noFill/>
+        </a:ln>
+        <a:effectLst/>
+      </dsp:spPr>
+      <dsp:style>
+        <a:lnRef idx="0">
+          <a:scrgbClr r="0" g="0" b="0"/>
+        </a:lnRef>
+        <a:fillRef idx="0">
+          <a:scrgbClr r="0" g="0" b="0"/>
+        </a:fillRef>
+        <a:effectRef idx="0">
+          <a:scrgbClr r="0" g="0" b="0"/>
+        </a:effectRef>
+        <a:fontRef idx="minor"/>
+      </dsp:style>
       <dsp:txBody>
-        <a:bodyPr spcFirstLastPara="0" vert="horz" wrap="square" lIns="41910" tIns="20955" rIns="41910" bIns="20955" numCol="1" spcCol="1270" anchor="ctr" anchorCtr="0">
+        <a:bodyPr spcFirstLastPara="0" vert="horz" wrap="square" lIns="68580" tIns="68580" rIns="68580" bIns="68580" numCol="1" spcCol="1270" anchor="t" anchorCtr="0">
           <a:noAutofit/>
         </a:bodyPr>
         <a:lstStyle/>
         <a:p>
-          <a:pPr marL="0" lvl="0" indent="0" algn="ctr" defTabSz="488950">
+          <a:pPr marL="0" lvl="0" indent="0" algn="l" defTabSz="800100">
             <a:lnSpc>
               <a:spcPct val="90000"/>
             </a:lnSpc>
@@ -1874,28 +2007,28 @@
             <a:buNone/>
           </a:pPr>
           <a:r>
-            <a:rPr lang="en-US" sz="1100" b="0" i="0" kern="1200" baseline="0"/>
+            <a:rPr lang="en-US" sz="1800" b="0" i="0" kern="1200" baseline="0"/>
             <a:t>987K users </a:t>
           </a:r>
-          <a:endParaRPr lang="en-US" sz="1100" kern="1200"/>
+          <a:endParaRPr lang="en-US" sz="1800" kern="1200"/>
         </a:p>
       </dsp:txBody>
       <dsp:txXfrm>
-        <a:off x="3530130" y="1236532"/>
-        <a:ext cx="3912540" cy="348148"/>
+        <a:off x="0" y="1211157"/>
+        <a:ext cx="10972800" cy="403554"/>
       </dsp:txXfrm>
     </dsp:sp>
-    <dsp:sp modelId="{F9F07B60-FAD1-443B-928E-C13F32672597}">
+    <dsp:sp modelId="{BCA3051D-F84D-458C-BEDF-61D1041704B8}">
       <dsp:nvSpPr>
         <dsp:cNvPr id="0" name=""/>
         <dsp:cNvSpPr/>
       </dsp:nvSpPr>
       <dsp:spPr>
         <a:xfrm>
-          <a:off x="3511296" y="1622805"/>
-          <a:ext cx="3950208" cy="385816"/>
+          <a:off x="0" y="1614712"/>
+          <a:ext cx="10972800" cy="0"/>
         </a:xfrm>
-        <a:prstGeom prst="roundRect">
+        <a:prstGeom prst="line">
           <a:avLst/>
         </a:prstGeom>
         <a:solidFill>
@@ -1908,7 +2041,7 @@
         </a:solidFill>
         <a:ln w="12700" cap="flat" cmpd="sng" algn="ctr">
           <a:solidFill>
-            <a:schemeClr val="lt1">
+            <a:schemeClr val="accent1">
               <a:hueOff val="0"/>
               <a:satOff val="0"/>
               <a:lumOff val="0"/>
@@ -1934,13 +2067,45 @@
           <a:schemeClr val="lt1"/>
         </a:fontRef>
       </dsp:style>
+    </dsp:sp>
+    <dsp:sp modelId="{848355A4-24EE-4B62-B402-8546E1D67774}">
+      <dsp:nvSpPr>
+        <dsp:cNvPr id="0" name=""/>
+        <dsp:cNvSpPr/>
+      </dsp:nvSpPr>
+      <dsp:spPr>
+        <a:xfrm>
+          <a:off x="0" y="1614712"/>
+          <a:ext cx="10972800" cy="403554"/>
+        </a:xfrm>
+        <a:prstGeom prst="rect">
+          <a:avLst/>
+        </a:prstGeom>
+        <a:noFill/>
+        <a:ln>
+          <a:noFill/>
+        </a:ln>
+        <a:effectLst/>
+      </dsp:spPr>
+      <dsp:style>
+        <a:lnRef idx="0">
+          <a:scrgbClr r="0" g="0" b="0"/>
+        </a:lnRef>
+        <a:fillRef idx="0">
+          <a:scrgbClr r="0" g="0" b="0"/>
+        </a:fillRef>
+        <a:effectRef idx="0">
+          <a:scrgbClr r="0" g="0" b="0"/>
+        </a:effectRef>
+        <a:fontRef idx="minor"/>
+      </dsp:style>
       <dsp:txBody>
-        <a:bodyPr spcFirstLastPara="0" vert="horz" wrap="square" lIns="41910" tIns="20955" rIns="41910" bIns="20955" numCol="1" spcCol="1270" anchor="ctr" anchorCtr="0">
+        <a:bodyPr spcFirstLastPara="0" vert="horz" wrap="square" lIns="68580" tIns="68580" rIns="68580" bIns="68580" numCol="1" spcCol="1270" anchor="t" anchorCtr="0">
           <a:noAutofit/>
         </a:bodyPr>
         <a:lstStyle/>
         <a:p>
-          <a:pPr marL="0" lvl="0" indent="0" algn="ctr" defTabSz="488950">
+          <a:pPr marL="0" lvl="0" indent="0" algn="l" defTabSz="800100">
             <a:lnSpc>
               <a:spcPct val="90000"/>
             </a:lnSpc>
@@ -1953,28 +2118,28 @@
             <a:buNone/>
           </a:pPr>
           <a:r>
-            <a:rPr lang="en-US" sz="1100" b="0" i="0" kern="1200" baseline="0"/>
+            <a:rPr lang="en-US" sz="1800" b="0" i="0" kern="1200" baseline="0"/>
             <a:t>3.9M items </a:t>
           </a:r>
-          <a:endParaRPr lang="en-US" sz="1100" kern="1200"/>
+          <a:endParaRPr lang="en-US" sz="1800" kern="1200"/>
         </a:p>
       </dsp:txBody>
       <dsp:txXfrm>
-        <a:off x="3530130" y="1641639"/>
-        <a:ext cx="3912540" cy="348148"/>
+        <a:off x="0" y="1614712"/>
+        <a:ext cx="10972800" cy="403554"/>
       </dsp:txXfrm>
     </dsp:sp>
-    <dsp:sp modelId="{C578C39E-373E-4F7F-A4F2-256FF2116670}">
+    <dsp:sp modelId="{7EB8E127-C2C0-4B49-8BCC-9E9FA1214622}">
       <dsp:nvSpPr>
         <dsp:cNvPr id="0" name=""/>
         <dsp:cNvSpPr/>
       </dsp:nvSpPr>
       <dsp:spPr>
         <a:xfrm>
-          <a:off x="3511296" y="2027912"/>
-          <a:ext cx="3950208" cy="385816"/>
+          <a:off x="0" y="2018267"/>
+          <a:ext cx="10972800" cy="0"/>
         </a:xfrm>
-        <a:prstGeom prst="roundRect">
+        <a:prstGeom prst="line">
           <a:avLst/>
         </a:prstGeom>
         <a:solidFill>
@@ -1987,7 +2152,7 @@
         </a:solidFill>
         <a:ln w="12700" cap="flat" cmpd="sng" algn="ctr">
           <a:solidFill>
-            <a:schemeClr val="lt1">
+            <a:schemeClr val="accent1">
               <a:hueOff val="0"/>
               <a:satOff val="0"/>
               <a:lumOff val="0"/>
@@ -2013,13 +2178,45 @@
           <a:schemeClr val="lt1"/>
         </a:fontRef>
       </dsp:style>
+    </dsp:sp>
+    <dsp:sp modelId="{6D68C22D-E1C9-442B-887B-A76DEC6A0891}">
+      <dsp:nvSpPr>
+        <dsp:cNvPr id="0" name=""/>
+        <dsp:cNvSpPr/>
+      </dsp:nvSpPr>
+      <dsp:spPr>
+        <a:xfrm>
+          <a:off x="0" y="2018267"/>
+          <a:ext cx="10972800" cy="403554"/>
+        </a:xfrm>
+        <a:prstGeom prst="rect">
+          <a:avLst/>
+        </a:prstGeom>
+        <a:noFill/>
+        <a:ln>
+          <a:noFill/>
+        </a:ln>
+        <a:effectLst/>
+      </dsp:spPr>
+      <dsp:style>
+        <a:lnRef idx="0">
+          <a:scrgbClr r="0" g="0" b="0"/>
+        </a:lnRef>
+        <a:fillRef idx="0">
+          <a:scrgbClr r="0" g="0" b="0"/>
+        </a:fillRef>
+        <a:effectRef idx="0">
+          <a:scrgbClr r="0" g="0" b="0"/>
+        </a:effectRef>
+        <a:fontRef idx="minor"/>
+      </dsp:style>
       <dsp:txBody>
-        <a:bodyPr spcFirstLastPara="0" vert="horz" wrap="square" lIns="41910" tIns="20955" rIns="41910" bIns="20955" numCol="1" spcCol="1270" anchor="ctr" anchorCtr="0">
+        <a:bodyPr spcFirstLastPara="0" vert="horz" wrap="square" lIns="68580" tIns="68580" rIns="68580" bIns="68580" numCol="1" spcCol="1270" anchor="t" anchorCtr="0">
           <a:noAutofit/>
         </a:bodyPr>
         <a:lstStyle/>
         <a:p>
-          <a:pPr marL="0" lvl="0" indent="0" algn="ctr" defTabSz="488950">
+          <a:pPr marL="0" lvl="0" indent="0" algn="l" defTabSz="800100">
             <a:lnSpc>
               <a:spcPct val="90000"/>
             </a:lnSpc>
@@ -2032,64 +2229,64 @@
             <a:buNone/>
           </a:pPr>
           <a:r>
-            <a:rPr lang="en-US" sz="1100" b="1" i="0" kern="1200" baseline="0"/>
+            <a:rPr lang="en-US" sz="1800" b="1" i="0" kern="1200" baseline="0"/>
             <a:t>Features:</a:t>
           </a:r>
           <a:r>
-            <a:rPr lang="en-US" sz="1100" b="0" i="0" kern="1200" baseline="0"/>
+            <a:rPr lang="en-US" sz="1800" b="0" i="0" kern="1200" baseline="0"/>
             <a:t> </a:t>
           </a:r>
           <a:r>
-            <a:rPr lang="en-US" sz="1100" b="0" i="0" kern="1200" baseline="0" err="1"/>
+            <a:rPr lang="en-US" sz="1800" b="0" i="0" kern="1200" baseline="0" err="1"/>
             <a:t>UserID</a:t>
           </a:r>
           <a:r>
-            <a:rPr lang="en-US" sz="1100" b="0" i="0" kern="1200" baseline="0"/>
+            <a:rPr lang="en-US" sz="1800" b="0" i="0" kern="1200" baseline="0"/>
             <a:t>, </a:t>
           </a:r>
           <a:r>
-            <a:rPr lang="en-US" sz="1100" b="0" i="0" kern="1200" baseline="0" err="1"/>
+            <a:rPr lang="en-US" sz="1800" b="0" i="0" kern="1200" baseline="0" err="1"/>
             <a:t>ItemID</a:t>
           </a:r>
           <a:r>
-            <a:rPr lang="en-US" sz="1100" b="0" i="0" kern="1200" baseline="0"/>
+            <a:rPr lang="en-US" sz="1800" b="0" i="0" kern="1200" baseline="0"/>
             <a:t>, </a:t>
           </a:r>
           <a:r>
-            <a:rPr lang="en-US" sz="1100" b="0" i="0" kern="1200" baseline="0" err="1"/>
+            <a:rPr lang="en-US" sz="1800" b="0" i="0" kern="1200" baseline="0" err="1"/>
             <a:t>CategoryID</a:t>
           </a:r>
           <a:r>
-            <a:rPr lang="en-US" sz="1100" b="0" i="0" kern="1200" baseline="0"/>
+            <a:rPr lang="en-US" sz="1800" b="0" i="0" kern="1200" baseline="0"/>
             <a:t>, </a:t>
           </a:r>
           <a:r>
-            <a:rPr lang="en-US" sz="1100" b="0" i="0" kern="1200" baseline="0" err="1"/>
+            <a:rPr lang="en-US" sz="1800" b="0" i="0" kern="1200" baseline="0" err="1"/>
             <a:t>BehaviorType</a:t>
           </a:r>
           <a:r>
-            <a:rPr lang="en-US" sz="1100" b="0" i="0" kern="1200" baseline="0"/>
+            <a:rPr lang="en-US" sz="1800" b="0" i="0" kern="1200" baseline="0"/>
             <a:t> (view, cart, favorite, buy), Timestamp </a:t>
           </a:r>
-          <a:endParaRPr lang="en-US" sz="1100" kern="1200"/>
+          <a:endParaRPr lang="en-US" sz="1800" kern="1200"/>
         </a:p>
       </dsp:txBody>
       <dsp:txXfrm>
-        <a:off x="3530130" y="2046746"/>
-        <a:ext cx="3912540" cy="348148"/>
+        <a:off x="0" y="2018267"/>
+        <a:ext cx="10972800" cy="403554"/>
       </dsp:txXfrm>
     </dsp:sp>
-    <dsp:sp modelId="{A247357B-091A-436B-97F3-891C431E4D13}">
+    <dsp:sp modelId="{D4F925B6-3FB9-4CF2-8716-A4FFBE4AB85F}">
       <dsp:nvSpPr>
         <dsp:cNvPr id="0" name=""/>
         <dsp:cNvSpPr/>
       </dsp:nvSpPr>
       <dsp:spPr>
         <a:xfrm>
-          <a:off x="3511296" y="2433019"/>
-          <a:ext cx="3950208" cy="385816"/>
+          <a:off x="0" y="2421821"/>
+          <a:ext cx="10972800" cy="0"/>
         </a:xfrm>
-        <a:prstGeom prst="roundRect">
+        <a:prstGeom prst="line">
           <a:avLst/>
         </a:prstGeom>
         <a:solidFill>
@@ -2102,7 +2299,7 @@
         </a:solidFill>
         <a:ln w="12700" cap="flat" cmpd="sng" algn="ctr">
           <a:solidFill>
-            <a:schemeClr val="lt1">
+            <a:schemeClr val="accent1">
               <a:hueOff val="0"/>
               <a:satOff val="0"/>
               <a:lumOff val="0"/>
@@ -2128,13 +2325,45 @@
           <a:schemeClr val="lt1"/>
         </a:fontRef>
       </dsp:style>
+    </dsp:sp>
+    <dsp:sp modelId="{BE690792-EA6A-444D-92CB-976C72304C5F}">
+      <dsp:nvSpPr>
+        <dsp:cNvPr id="0" name=""/>
+        <dsp:cNvSpPr/>
+      </dsp:nvSpPr>
+      <dsp:spPr>
+        <a:xfrm>
+          <a:off x="0" y="2421821"/>
+          <a:ext cx="10972800" cy="403554"/>
+        </a:xfrm>
+        <a:prstGeom prst="rect">
+          <a:avLst/>
+        </a:prstGeom>
+        <a:noFill/>
+        <a:ln>
+          <a:noFill/>
+        </a:ln>
+        <a:effectLst/>
+      </dsp:spPr>
+      <dsp:style>
+        <a:lnRef idx="0">
+          <a:scrgbClr r="0" g="0" b="0"/>
+        </a:lnRef>
+        <a:fillRef idx="0">
+          <a:scrgbClr r="0" g="0" b="0"/>
+        </a:fillRef>
+        <a:effectRef idx="0">
+          <a:scrgbClr r="0" g="0" b="0"/>
+        </a:effectRef>
+        <a:fontRef idx="minor"/>
+      </dsp:style>
       <dsp:txBody>
-        <a:bodyPr spcFirstLastPara="0" vert="horz" wrap="square" lIns="41910" tIns="20955" rIns="41910" bIns="20955" numCol="1" spcCol="1270" anchor="ctr" anchorCtr="0">
+        <a:bodyPr spcFirstLastPara="0" vert="horz" wrap="square" lIns="68580" tIns="68580" rIns="68580" bIns="68580" numCol="1" spcCol="1270" anchor="t" anchorCtr="0">
           <a:noAutofit/>
         </a:bodyPr>
         <a:lstStyle/>
         <a:p>
-          <a:pPr marL="0" lvl="0" indent="0" algn="ctr" defTabSz="488950">
+          <a:pPr marL="0" lvl="0" indent="0" algn="l" defTabSz="800100">
             <a:lnSpc>
               <a:spcPct val="90000"/>
             </a:lnSpc>
@@ -2147,32 +2376,32 @@
             <a:buNone/>
           </a:pPr>
           <a:r>
-            <a:rPr lang="en-US" sz="1100" b="1" i="0" kern="1200" baseline="0"/>
+            <a:rPr lang="en-US" sz="1800" b="1" i="0" kern="1200" baseline="0"/>
             <a:t>Approach:</a:t>
           </a:r>
           <a:r>
-            <a:rPr lang="en-US" sz="1100" b="0" i="0" kern="1200" baseline="0"/>
+            <a:rPr lang="en-US" sz="1800" b="0" i="0" kern="1200" baseline="0"/>
             <a:t> </a:t>
           </a:r>
-          <a:endParaRPr lang="en-US" sz="1100" kern="1200"/>
+          <a:endParaRPr lang="en-US" sz="1800" kern="1200"/>
         </a:p>
       </dsp:txBody>
       <dsp:txXfrm>
-        <a:off x="3530130" y="2451853"/>
-        <a:ext cx="3912540" cy="348148"/>
+        <a:off x="0" y="2421821"/>
+        <a:ext cx="10972800" cy="403554"/>
       </dsp:txXfrm>
     </dsp:sp>
-    <dsp:sp modelId="{346144C1-CF69-4D2C-B262-41E3E1F13B92}">
+    <dsp:sp modelId="{A5B486CF-1E48-485A-B4BF-63F1C98432BC}">
       <dsp:nvSpPr>
         <dsp:cNvPr id="0" name=""/>
         <dsp:cNvSpPr/>
       </dsp:nvSpPr>
       <dsp:spPr>
         <a:xfrm>
-          <a:off x="3511296" y="2838126"/>
-          <a:ext cx="3950208" cy="385816"/>
+          <a:off x="0" y="2825376"/>
+          <a:ext cx="10972800" cy="0"/>
         </a:xfrm>
-        <a:prstGeom prst="roundRect">
+        <a:prstGeom prst="line">
           <a:avLst/>
         </a:prstGeom>
         <a:solidFill>
@@ -2185,7 +2414,7 @@
         </a:solidFill>
         <a:ln w="12700" cap="flat" cmpd="sng" algn="ctr">
           <a:solidFill>
-            <a:schemeClr val="lt1">
+            <a:schemeClr val="accent1">
               <a:hueOff val="0"/>
               <a:satOff val="0"/>
               <a:lumOff val="0"/>
@@ -2211,13 +2440,45 @@
           <a:schemeClr val="lt1"/>
         </a:fontRef>
       </dsp:style>
+    </dsp:sp>
+    <dsp:sp modelId="{4E0D69EA-B3D1-4456-B00D-28726992D60A}">
+      <dsp:nvSpPr>
+        <dsp:cNvPr id="0" name=""/>
+        <dsp:cNvSpPr/>
+      </dsp:nvSpPr>
+      <dsp:spPr>
+        <a:xfrm>
+          <a:off x="0" y="2825376"/>
+          <a:ext cx="10972800" cy="403554"/>
+        </a:xfrm>
+        <a:prstGeom prst="rect">
+          <a:avLst/>
+        </a:prstGeom>
+        <a:noFill/>
+        <a:ln>
+          <a:noFill/>
+        </a:ln>
+        <a:effectLst/>
+      </dsp:spPr>
+      <dsp:style>
+        <a:lnRef idx="0">
+          <a:scrgbClr r="0" g="0" b="0"/>
+        </a:lnRef>
+        <a:fillRef idx="0">
+          <a:scrgbClr r="0" g="0" b="0"/>
+        </a:fillRef>
+        <a:effectRef idx="0">
+          <a:scrgbClr r="0" g="0" b="0"/>
+        </a:effectRef>
+        <a:fontRef idx="minor"/>
+      </dsp:style>
       <dsp:txBody>
-        <a:bodyPr spcFirstLastPara="0" vert="horz" wrap="square" lIns="41910" tIns="20955" rIns="41910" bIns="20955" numCol="1" spcCol="1270" anchor="ctr" anchorCtr="0">
+        <a:bodyPr spcFirstLastPara="0" vert="horz" wrap="square" lIns="68580" tIns="68580" rIns="68580" bIns="68580" numCol="1" spcCol="1270" anchor="t" anchorCtr="0">
           <a:noAutofit/>
         </a:bodyPr>
         <a:lstStyle/>
         <a:p>
-          <a:pPr marL="0" lvl="0" indent="0" algn="ctr" defTabSz="488950">
+          <a:pPr marL="0" lvl="0" indent="0" algn="l" defTabSz="800100">
             <a:lnSpc>
               <a:spcPct val="90000"/>
             </a:lnSpc>
@@ -2230,32 +2491,32 @@
             <a:buNone/>
           </a:pPr>
           <a:r>
-            <a:rPr lang="en-US" sz="1100" b="1" i="0" kern="1200" baseline="0"/>
+            <a:rPr lang="en-US" sz="1800" b="1" i="0" kern="1200" baseline="0"/>
             <a:t>Data Processing:</a:t>
           </a:r>
           <a:r>
-            <a:rPr lang="en-US" sz="1100" b="0" i="0" kern="1200" baseline="0"/>
+            <a:rPr lang="en-US" sz="1800" b="0" i="0" kern="1200" baseline="0"/>
             <a:t> Python (pandas) </a:t>
           </a:r>
-          <a:endParaRPr lang="en-US" sz="1100" kern="1200"/>
+          <a:endParaRPr lang="en-US" sz="1800" kern="1200"/>
         </a:p>
       </dsp:txBody>
       <dsp:txXfrm>
-        <a:off x="3530130" y="2856960"/>
-        <a:ext cx="3912540" cy="348148"/>
+        <a:off x="0" y="2825376"/>
+        <a:ext cx="10972800" cy="403554"/>
       </dsp:txXfrm>
     </dsp:sp>
-    <dsp:sp modelId="{087D48E2-13C1-40C9-8C11-0493018A7917}">
+    <dsp:sp modelId="{0FD8F6FE-E2FE-4FD5-8D11-382E99CF169D}">
       <dsp:nvSpPr>
         <dsp:cNvPr id="0" name=""/>
         <dsp:cNvSpPr/>
       </dsp:nvSpPr>
       <dsp:spPr>
         <a:xfrm>
-          <a:off x="3511296" y="3243233"/>
-          <a:ext cx="3950208" cy="385816"/>
+          <a:off x="0" y="3228931"/>
+          <a:ext cx="10972800" cy="0"/>
         </a:xfrm>
-        <a:prstGeom prst="roundRect">
+        <a:prstGeom prst="line">
           <a:avLst/>
         </a:prstGeom>
         <a:solidFill>
@@ -2268,7 +2529,7 @@
         </a:solidFill>
         <a:ln w="12700" cap="flat" cmpd="sng" algn="ctr">
           <a:solidFill>
-            <a:schemeClr val="lt1">
+            <a:schemeClr val="accent1">
               <a:hueOff val="0"/>
               <a:satOff val="0"/>
               <a:lumOff val="0"/>
@@ -2294,13 +2555,45 @@
           <a:schemeClr val="lt1"/>
         </a:fontRef>
       </dsp:style>
+    </dsp:sp>
+    <dsp:sp modelId="{526981D6-CC44-4FB2-B738-69F747D22390}">
+      <dsp:nvSpPr>
+        <dsp:cNvPr id="0" name=""/>
+        <dsp:cNvSpPr/>
+      </dsp:nvSpPr>
+      <dsp:spPr>
+        <a:xfrm>
+          <a:off x="0" y="3228931"/>
+          <a:ext cx="10972800" cy="403554"/>
+        </a:xfrm>
+        <a:prstGeom prst="rect">
+          <a:avLst/>
+        </a:prstGeom>
+        <a:noFill/>
+        <a:ln>
+          <a:noFill/>
+        </a:ln>
+        <a:effectLst/>
+      </dsp:spPr>
+      <dsp:style>
+        <a:lnRef idx="0">
+          <a:scrgbClr r="0" g="0" b="0"/>
+        </a:lnRef>
+        <a:fillRef idx="0">
+          <a:scrgbClr r="0" g="0" b="0"/>
+        </a:fillRef>
+        <a:effectRef idx="0">
+          <a:scrgbClr r="0" g="0" b="0"/>
+        </a:effectRef>
+        <a:fontRef idx="minor"/>
+      </dsp:style>
       <dsp:txBody>
-        <a:bodyPr spcFirstLastPara="0" vert="horz" wrap="square" lIns="41910" tIns="20955" rIns="41910" bIns="20955" numCol="1" spcCol="1270" anchor="ctr" anchorCtr="0">
+        <a:bodyPr spcFirstLastPara="0" vert="horz" wrap="square" lIns="68580" tIns="68580" rIns="68580" bIns="68580" numCol="1" spcCol="1270" anchor="t" anchorCtr="0">
           <a:noAutofit/>
         </a:bodyPr>
         <a:lstStyle/>
         <a:p>
-          <a:pPr marL="0" lvl="0" indent="0" algn="ctr" defTabSz="488950">
+          <a:pPr marL="0" lvl="0" indent="0" algn="l" defTabSz="800100">
             <a:lnSpc>
               <a:spcPct val="90000"/>
             </a:lnSpc>
@@ -2313,40 +2606,40 @@
             <a:buNone/>
           </a:pPr>
           <a:r>
-            <a:rPr lang="en-US" sz="1100" b="1" i="0" kern="1200" baseline="0"/>
+            <a:rPr lang="en-US" sz="1800" b="1" i="0" kern="1200" baseline="0"/>
             <a:t>Visualization:</a:t>
           </a:r>
           <a:r>
-            <a:rPr lang="en-US" sz="1100" b="0" i="0" kern="1200" baseline="0"/>
+            <a:rPr lang="en-US" sz="1800" b="0" i="0" kern="1200" baseline="0"/>
             <a:t> Interactive funnel charts, time series plots (</a:t>
           </a:r>
           <a:r>
-            <a:rPr lang="en-US" sz="1100" b="0" i="0" kern="1200" baseline="0" err="1"/>
+            <a:rPr lang="en-US" sz="1800" b="0" i="0" kern="1200" baseline="0" err="1"/>
             <a:t>Plotly</a:t>
           </a:r>
           <a:r>
-            <a:rPr lang="en-US" sz="1100" b="0" i="0" kern="1200" baseline="0"/>
+            <a:rPr lang="en-US" sz="1800" b="0" i="0" kern="1200" baseline="0"/>
             <a:t>/Dash) </a:t>
           </a:r>
-          <a:endParaRPr lang="en-US" sz="1100" kern="1200"/>
+          <a:endParaRPr lang="en-US" sz="1800" kern="1200"/>
         </a:p>
       </dsp:txBody>
       <dsp:txXfrm>
-        <a:off x="3530130" y="3262067"/>
-        <a:ext cx="3912540" cy="348148"/>
+        <a:off x="0" y="3228931"/>
+        <a:ext cx="10972800" cy="403554"/>
       </dsp:txXfrm>
     </dsp:sp>
-    <dsp:sp modelId="{76C444D0-138C-4BEA-9110-508F8B96057B}">
+    <dsp:sp modelId="{76508912-E76D-4B5C-87B5-0611AF9CA50D}">
       <dsp:nvSpPr>
         <dsp:cNvPr id="0" name=""/>
         <dsp:cNvSpPr/>
       </dsp:nvSpPr>
       <dsp:spPr>
         <a:xfrm>
-          <a:off x="3511296" y="3648340"/>
-          <a:ext cx="3950208" cy="385816"/>
+          <a:off x="0" y="3632486"/>
+          <a:ext cx="10972800" cy="0"/>
         </a:xfrm>
-        <a:prstGeom prst="roundRect">
+        <a:prstGeom prst="line">
           <a:avLst/>
         </a:prstGeom>
         <a:solidFill>
@@ -2359,7 +2652,7 @@
         </a:solidFill>
         <a:ln w="12700" cap="flat" cmpd="sng" algn="ctr">
           <a:solidFill>
-            <a:schemeClr val="lt1">
+            <a:schemeClr val="accent1">
               <a:hueOff val="0"/>
               <a:satOff val="0"/>
               <a:lumOff val="0"/>
@@ -2385,13 +2678,45 @@
           <a:schemeClr val="lt1"/>
         </a:fontRef>
       </dsp:style>
+    </dsp:sp>
+    <dsp:sp modelId="{F75F757B-86CC-45A1-A91B-A7E0225BD833}">
+      <dsp:nvSpPr>
+        <dsp:cNvPr id="0" name=""/>
+        <dsp:cNvSpPr/>
+      </dsp:nvSpPr>
+      <dsp:spPr>
+        <a:xfrm>
+          <a:off x="0" y="3632486"/>
+          <a:ext cx="10972800" cy="403554"/>
+        </a:xfrm>
+        <a:prstGeom prst="rect">
+          <a:avLst/>
+        </a:prstGeom>
+        <a:noFill/>
+        <a:ln>
+          <a:noFill/>
+        </a:ln>
+        <a:effectLst/>
+      </dsp:spPr>
+      <dsp:style>
+        <a:lnRef idx="0">
+          <a:scrgbClr r="0" g="0" b="0"/>
+        </a:lnRef>
+        <a:fillRef idx="0">
+          <a:scrgbClr r="0" g="0" b="0"/>
+        </a:fillRef>
+        <a:effectRef idx="0">
+          <a:scrgbClr r="0" g="0" b="0"/>
+        </a:effectRef>
+        <a:fontRef idx="minor"/>
+      </dsp:style>
       <dsp:txBody>
-        <a:bodyPr spcFirstLastPara="0" vert="horz" wrap="square" lIns="41910" tIns="20955" rIns="41910" bIns="20955" numCol="1" spcCol="1270" anchor="ctr" anchorCtr="0">
+        <a:bodyPr spcFirstLastPara="0" vert="horz" wrap="square" lIns="68580" tIns="68580" rIns="68580" bIns="68580" numCol="1" spcCol="1270" anchor="t" anchorCtr="0">
           <a:noAutofit/>
         </a:bodyPr>
         <a:lstStyle/>
         <a:p>
-          <a:pPr marL="0" lvl="0" indent="0" algn="ctr" defTabSz="488950">
+          <a:pPr marL="0" lvl="0" indent="0" algn="l" defTabSz="800100">
             <a:lnSpc>
               <a:spcPct val="90000"/>
             </a:lnSpc>
@@ -2404,19 +2729,19 @@
             <a:buNone/>
           </a:pPr>
           <a:r>
-            <a:rPr lang="en-US" sz="1100" b="1" i="0" kern="1200" baseline="0"/>
+            <a:rPr lang="en-US" sz="1800" b="1" i="0" kern="1200" baseline="0"/>
             <a:t>Analysis:</a:t>
           </a:r>
           <a:r>
-            <a:rPr lang="en-US" sz="1100" b="0" i="0" kern="1200" baseline="0"/>
+            <a:rPr lang="en-US" sz="1800" b="0" i="0" kern="1200" baseline="0"/>
             <a:t> Calculate conversion rates, identify drop-offs</a:t>
           </a:r>
-          <a:endParaRPr lang="en-US" sz="1100" kern="1200"/>
+          <a:endParaRPr lang="en-US" sz="1800" kern="1200"/>
         </a:p>
       </dsp:txBody>
       <dsp:txXfrm>
-        <a:off x="3530130" y="3667174"/>
-        <a:ext cx="3912540" cy="348148"/>
+        <a:off x="0" y="3632486"/>
+        <a:ext cx="10972800" cy="403554"/>
       </dsp:txXfrm>
     </dsp:sp>
   </dsp:spTree>
@@ -2424,12 +2749,12 @@
 </file>
 
 <file path=ppt/diagrams/layout1.xml><?xml version="1.0" encoding="utf-8"?>
-<dgm:layoutDef xmlns:dgm="http://schemas.openxmlformats.org/drawingml/2006/diagram" xmlns:a="http://schemas.openxmlformats.org/drawingml/2006/main" uniqueId="urn:microsoft.com/office/officeart/2005/8/layout/vList5">
+<dgm:layoutDef xmlns:dgm="http://schemas.openxmlformats.org/drawingml/2006/diagram" xmlns:a="http://schemas.openxmlformats.org/drawingml/2006/main" uniqueId="urn:microsoft.com/office/officeart/2008/layout/LinedList">
   <dgm:title val=""/>
   <dgm:desc val=""/>
   <dgm:catLst>
-    <dgm:cat type="list" pri="15000"/>
-    <dgm:cat type="convert" pri="2000"/>
+    <dgm:cat type="hierarchy" pri="8000"/>
+    <dgm:cat type="list" pri="2500"/>
   </dgm:catLst>
   <dgm:sampData>
     <dgm:dataModel>
@@ -2444,35 +2769,15 @@
         <dgm:pt modelId="12">
           <dgm:prSet phldr="1"/>
         </dgm:pt>
-        <dgm:pt modelId="2">
-          <dgm:prSet phldr="1"/>
-        </dgm:pt>
-        <dgm:pt modelId="21">
-          <dgm:prSet phldr="1"/>
-        </dgm:pt>
-        <dgm:pt modelId="22">
-          <dgm:prSet phldr="1"/>
-        </dgm:pt>
-        <dgm:pt modelId="3">
-          <dgm:prSet phldr="1"/>
-        </dgm:pt>
-        <dgm:pt modelId="31">
-          <dgm:prSet phldr="1"/>
-        </dgm:pt>
-        <dgm:pt modelId="32">
+        <dgm:pt modelId="13">
           <dgm:prSet phldr="1"/>
         </dgm:pt>
       </dgm:ptLst>
       <dgm:cxnLst>
-        <dgm:cxn modelId="4" srcId="0" destId="1" srcOrd="0" destOrd="0"/>
-        <dgm:cxn modelId="5" srcId="0" destId="2" srcOrd="1" destOrd="0"/>
-        <dgm:cxn modelId="6" srcId="0" destId="3" srcOrd="2" destOrd="0"/>
-        <dgm:cxn modelId="13" srcId="1" destId="11" srcOrd="0" destOrd="0"/>
-        <dgm:cxn modelId="14" srcId="1" destId="12" srcOrd="1" destOrd="0"/>
-        <dgm:cxn modelId="23" srcId="2" destId="21" srcOrd="0" destOrd="0"/>
-        <dgm:cxn modelId="24" srcId="2" destId="22" srcOrd="1" destOrd="0"/>
-        <dgm:cxn modelId="33" srcId="3" destId="31" srcOrd="0" destOrd="0"/>
-        <dgm:cxn modelId="34" srcId="3" destId="32" srcOrd="1" destOrd="0"/>
+        <dgm:cxn modelId="2" srcId="0" destId="1" srcOrd="0" destOrd="0"/>
+        <dgm:cxn modelId="3" srcId="1" destId="11" srcOrd="0" destOrd="0"/>
+        <dgm:cxn modelId="4" srcId="1" destId="12" srcOrd="1" destOrd="0"/>
+        <dgm:cxn modelId="5" srcId="1" destId="13" srcOrd="2" destOrd="0"/>
       </dgm:cxnLst>
       <dgm:bg/>
       <dgm:whole/>
@@ -2482,16 +2787,20 @@
     <dgm:dataModel>
       <dgm:ptLst>
         <dgm:pt modelId="0" type="doc"/>
-        <dgm:pt modelId="1"/>
-        <dgm:pt modelId="11"/>
-        <dgm:pt modelId="2"/>
-        <dgm:pt modelId="21"/>
+        <dgm:pt modelId="1">
+          <dgm:prSet phldr="1"/>
+        </dgm:pt>
+        <dgm:pt modelId="11">
+          <dgm:prSet phldr="1"/>
+        </dgm:pt>
+        <dgm:pt modelId="12">
+          <dgm:prSet phldr="1"/>
+        </dgm:pt>
       </dgm:ptLst>
       <dgm:cxnLst>
-        <dgm:cxn modelId="4" srcId="0" destId="1" srcOrd="0" destOrd="0"/>
-        <dgm:cxn modelId="5" srcId="0" destId="2" srcOrd="1" destOrd="0"/>
-        <dgm:cxn modelId="13" srcId="1" destId="11" srcOrd="0" destOrd="0"/>
-        <dgm:cxn modelId="23" srcId="2" destId="21" srcOrd="0" destOrd="0"/>
+        <dgm:cxn modelId="2" srcId="0" destId="1" srcOrd="0" destOrd="0"/>
+        <dgm:cxn modelId="3" srcId="1" destId="11" srcOrd="0" destOrd="0"/>
+        <dgm:cxn modelId="4" srcId="1" destId="12" srcOrd="1" destOrd="0"/>
       </dgm:cxnLst>
       <dgm:bg/>
       <dgm:whole/>
@@ -2501,43 +2810,39 @@
     <dgm:dataModel>
       <dgm:ptLst>
         <dgm:pt modelId="0" type="doc"/>
-        <dgm:pt modelId="1"/>
-        <dgm:pt modelId="11"/>
-        <dgm:pt modelId="2"/>
-        <dgm:pt modelId="21"/>
-        <dgm:pt modelId="3"/>
-        <dgm:pt modelId="31"/>
-        <dgm:pt modelId="4"/>
-        <dgm:pt modelId="41"/>
+        <dgm:pt modelId="1">
+          <dgm:prSet phldr="1"/>
+        </dgm:pt>
+        <dgm:pt modelId="11">
+          <dgm:prSet phldr="1"/>
+        </dgm:pt>
+        <dgm:pt modelId="12">
+          <dgm:prSet phldr="1"/>
+        </dgm:pt>
       </dgm:ptLst>
       <dgm:cxnLst>
-        <dgm:cxn modelId="5" srcId="0" destId="1" srcOrd="0" destOrd="0"/>
-        <dgm:cxn modelId="6" srcId="0" destId="2" srcOrd="1" destOrd="0"/>
-        <dgm:cxn modelId="7" srcId="0" destId="3" srcOrd="2" destOrd="0"/>
-        <dgm:cxn modelId="8" srcId="0" destId="4" srcOrd="3" destOrd="0"/>
-        <dgm:cxn modelId="13" srcId="1" destId="11" srcOrd="0" destOrd="0"/>
-        <dgm:cxn modelId="23" srcId="2" destId="21" srcOrd="0" destOrd="0"/>
-        <dgm:cxn modelId="33" srcId="3" destId="31" srcOrd="0" destOrd="0"/>
-        <dgm:cxn modelId="43" srcId="4" destId="41" srcOrd="0" destOrd="0"/>
+        <dgm:cxn modelId="2" srcId="0" destId="1" srcOrd="0" destOrd="0"/>
+        <dgm:cxn modelId="3" srcId="1" destId="11" srcOrd="0" destOrd="0"/>
+        <dgm:cxn modelId="4" srcId="1" destId="12" srcOrd="1" destOrd="0"/>
       </dgm:cxnLst>
       <dgm:bg/>
       <dgm:whole/>
     </dgm:dataModel>
   </dgm:clrData>
-  <dgm:layoutNode name="Name0">
+  <dgm:layoutNode name="vert0">
     <dgm:varLst>
       <dgm:dir/>
+      <dgm:animOne val="branch"/>
       <dgm:animLvl val="lvl"/>
-      <dgm:resizeHandles val="exact"/>
     </dgm:varLst>
-    <dgm:choose name="Name1">
-      <dgm:if name="Name2" func="var" arg="dir" op="equ" val="norm">
+    <dgm:choose name="Name0">
+      <dgm:if name="Name1" func="var" arg="dir" op="equ" val="norm">
         <dgm:alg type="lin">
           <dgm:param type="linDir" val="fromT"/>
           <dgm:param type="nodeHorzAlign" val="l"/>
         </dgm:alg>
       </dgm:if>
-      <dgm:else name="Name3">
+      <dgm:else name="Name2">
         <dgm:alg type="lin">
           <dgm:param type="linDir" val="fromT"/>
           <dgm:param type="nodeHorzAlign" val="r"/>
@@ -2549,24 +2854,48 @@
     </dgm:shape>
     <dgm:presOf/>
     <dgm:constrLst>
-      <dgm:constr type="h" for="ch" forName="linNode" refType="h"/>
-      <dgm:constr type="w" for="ch" forName="linNode" refType="w"/>
-      <dgm:constr type="h" for="ch" forName="sp" refType="h" fact="0.05"/>
-      <dgm:constr type="primFontSz" for="des" forName="parentText" op="equ" val="65"/>
-      <dgm:constr type="secFontSz" for="des" forName="descendantText" op="equ"/>
+      <dgm:constr type="w" for="ch" forName="horz1" refType="w"/>
+      <dgm:constr type="h" for="ch" forName="horz1" refType="h"/>
+      <dgm:constr type="h" for="des" forName="vert1" refType="h"/>
+      <dgm:constr type="h" for="des" forName="tx1" refType="h"/>
+      <dgm:constr type="h" for="des" forName="horz2" refType="h"/>
+      <dgm:constr type="h" for="des" forName="vert2" refType="h"/>
+      <dgm:constr type="h" for="des" forName="horz3" refType="h"/>
+      <dgm:constr type="h" for="des" forName="vert3" refType="h"/>
+      <dgm:constr type="h" for="des" forName="horz4" refType="h"/>
+      <dgm:constr type="h" for="des" ptType="node" refType="h"/>
+      <dgm:constr type="primFontSz" for="des" forName="tx1" op="equ" val="65"/>
+      <dgm:constr type="primFontSz" for="des" forName="tx2" op="equ" val="65"/>
+      <dgm:constr type="primFontSz" for="des" forName="tx3" op="equ" val="65"/>
+      <dgm:constr type="primFontSz" for="des" forName="tx4" op="equ" val="65"/>
+      <dgm:constr type="w" for="des" forName="thickLine" refType="w"/>
+      <dgm:constr type="h" for="des" forName="thickLine"/>
+      <dgm:constr type="h" for="des" forName="thinLine1"/>
+      <dgm:constr type="h" for="des" forName="thinLine2b"/>
+      <dgm:constr type="h" for="des" forName="thinLine3"/>
+      <dgm:constr type="h" for="des" forName="vertSpace2a" refType="h" fact="0.05"/>
+      <dgm:constr type="h" for="des" forName="vertSpace2b" refType="h" refFor="des" refForName="vertSpace2a"/>
     </dgm:constrLst>
-    <dgm:ruleLst/>
-    <dgm:forEach name="Name4" axis="ch" ptType="node">
-      <dgm:layoutNode name="linNode">
-        <dgm:choose name="Name5">
-          <dgm:if name="Name6" func="var" arg="dir" op="equ" val="norm">
+    <dgm:forEach name="Name3" axis="ch" ptType="node">
+      <dgm:layoutNode name="thickLine" styleLbl="alignNode1">
+        <dgm:alg type="sp"/>
+        <dgm:shape xmlns:r="http://schemas.openxmlformats.org/officeDocument/2006/relationships" type="line" r:blip="">
+          <dgm:adjLst/>
+        </dgm:shape>
+        <dgm:presOf/>
+      </dgm:layoutNode>
+      <dgm:layoutNode name="horz1">
+        <dgm:choose name="Name4">
+          <dgm:if name="Name5" func="var" arg="dir" op="equ" val="norm">
             <dgm:alg type="lin">
               <dgm:param type="linDir" val="fromL"/>
+              <dgm:param type="nodeVertAlign" val="t"/>
             </dgm:alg>
           </dgm:if>
-          <dgm:else name="Name7">
+          <dgm:else name="Name6">
             <dgm:alg type="lin">
               <dgm:param type="linDir" val="fromR"/>
+              <dgm:param type="nodeVertAlign" val="t"/>
             </dgm:alg>
           </dgm:else>
         </dgm:choose>
@@ -2574,26 +2903,59 @@
           <dgm:adjLst/>
         </dgm:shape>
         <dgm:presOf/>
-        <dgm:constrLst>
-          <dgm:constr type="w" for="ch" forName="parentText" refType="w" fact="0.36"/>
-          <dgm:constr type="w" for="ch" forName="descendantText" refType="w" fact="0.64"/>
-          <dgm:constr type="h" for="ch" forName="parentText" refType="h"/>
-          <dgm:constr type="h" for="ch" forName="descendantText" refType="h" refFor="ch" refForName="parentText" fact="0.8"/>
-        </dgm:constrLst>
-        <dgm:ruleLst/>
-        <dgm:layoutNode name="parentText">
-          <dgm:varLst>
-            <dgm:chMax val="1"/>
-            <dgm:bulletEnabled val="1"/>
-          </dgm:varLst>
-          <dgm:alg type="tx"/>
-          <dgm:shape xmlns:r="http://schemas.openxmlformats.org/officeDocument/2006/relationships" type="roundRect" r:blip="" zOrderOff="3">
+        <dgm:choose name="Name7">
+          <dgm:if name="Name8" axis="root des" func="maxDepth" op="equ" val="1">
+            <dgm:constrLst>
+              <dgm:constr type="w" for="ch" forName="tx1" refType="w"/>
+            </dgm:constrLst>
+          </dgm:if>
+          <dgm:if name="Name9" axis="root des" func="maxDepth" op="equ" val="2">
+            <dgm:constrLst>
+              <dgm:constr type="w" for="ch" forName="tx1" refType="w" fact="0.2"/>
+              <dgm:constr type="w" for="des" forName="tx2" refType="w" fact="0.785"/>
+              <dgm:constr type="w" for="des" forName="horzSpace2" refType="w" fact="0.015"/>
+              <dgm:constr type="w" for="des" forName="thinLine2b" refType="w" fact="0.8"/>
+            </dgm:constrLst>
+          </dgm:if>
+          <dgm:if name="Name10" axis="root des" func="maxDepth" op="equ" val="3">
+            <dgm:constrLst>
+              <dgm:constr type="w" for="ch" forName="tx1" refType="w" fact="0.2"/>
+              <dgm:constr type="w" for="des" forName="tx2" refType="w" fact="0.385"/>
+              <dgm:constr type="w" for="des" forName="tx3" refType="w" fact="0.385"/>
+              <dgm:constr type="w" for="des" forName="horzSpace2" refType="w" fact="0.015"/>
+              <dgm:constr type="w" for="des" forName="horzSpace3" refType="w" fact="0.015"/>
+              <dgm:constr type="w" for="des" forName="thinLine2b" refType="w" fact="0.8"/>
+              <dgm:constr type="w" for="des" forName="thinLine3" refType="w" fact="0.385"/>
+            </dgm:constrLst>
+          </dgm:if>
+          <dgm:if name="Name11" axis="root des" func="maxDepth" op="gte" val="4">
+            <dgm:constrLst>
+              <dgm:constr type="w" for="ch" forName="tx1" refType="w" fact="0.2"/>
+              <dgm:constr type="w" for="des" forName="tx2" refType="w" fact="0.2516"/>
+              <dgm:constr type="w" for="des" forName="tx3" refType="w" fact="0.2516"/>
+              <dgm:constr type="w" for="des" forName="tx4" refType="w" fact="0.2516"/>
+              <dgm:constr type="w" for="des" forName="horzSpace2" refType="w" fact="0.015"/>
+              <dgm:constr type="w" for="des" forName="horzSpace3" refType="w" fact="0.015"/>
+              <dgm:constr type="w" for="des" forName="horzSpace4" refType="w" fact="0.015"/>
+              <dgm:constr type="w" for="des" forName="thinLine2b" refType="w" fact="0.8"/>
+              <dgm:constr type="w" for="des" forName="thinLine3" refType="w" fact="0.5332"/>
+            </dgm:constrLst>
+          </dgm:if>
+          <dgm:else name="Name12"/>
+        </dgm:choose>
+        <dgm:layoutNode name="tx1" styleLbl="revTx">
+          <dgm:alg type="tx">
+            <dgm:param type="parTxLTRAlign" val="l"/>
+            <dgm:param type="parTxRTLAlign" val="r"/>
+            <dgm:param type="txAnchorVert" val="t"/>
+          </dgm:alg>
+          <dgm:shape xmlns:r="http://schemas.openxmlformats.org/officeDocument/2006/relationships" type="rect" r:blip="">
             <dgm:adjLst/>
           </dgm:shape>
-          <dgm:presOf axis="self" ptType="node"/>
+          <dgm:presOf axis="self"/>
           <dgm:constrLst>
-            <dgm:constr type="tMarg" refType="primFontSz" fact="0.15"/>
-            <dgm:constr type="bMarg" refType="primFontSz" fact="0.15"/>
+            <dgm:constr type="tMarg" refType="primFontSz" fact="0.3"/>
+            <dgm:constr type="bMarg" refType="primFontSz" fact="0.3"/>
             <dgm:constr type="lMarg" refType="primFontSz" fact="0.3"/>
             <dgm:constr type="rMarg" refType="primFontSz" fact="0.3"/>
           </dgm:constrLst>
@@ -2601,56 +2963,252 @@
             <dgm:rule type="primFontSz" val="5" fact="NaN" max="NaN"/>
           </dgm:ruleLst>
         </dgm:layoutNode>
-        <dgm:choose name="Name8">
-          <dgm:if name="Name9" axis="ch" ptType="node" func="cnt" op="gte" val="1">
-            <dgm:layoutNode name="descendantText" styleLbl="alignAccFollowNode1">
-              <dgm:varLst>
-                <dgm:bulletEnabled val="1"/>
-              </dgm:varLst>
-              <dgm:alg type="tx">
-                <dgm:param type="stBulletLvl" val="1"/>
-                <dgm:param type="txAnchorVertCh" val="mid"/>
+        <dgm:layoutNode name="vert1">
+          <dgm:choose name="Name13">
+            <dgm:if name="Name14" func="var" arg="dir" op="equ" val="norm">
+              <dgm:alg type="lin">
+                <dgm:param type="linDir" val="fromT"/>
+                <dgm:param type="nodeHorzAlign" val="l"/>
               </dgm:alg>
-              <dgm:choose name="Name10">
-                <dgm:if name="Name11" func="var" arg="dir" op="equ" val="norm">
-                  <dgm:shape xmlns:r="http://schemas.openxmlformats.org/officeDocument/2006/relationships" rot="90" type="round2SameRect" r:blip="">
-                    <dgm:adjLst/>
-                  </dgm:shape>
-                </dgm:if>
-                <dgm:else name="Name12">
-                  <dgm:shape xmlns:r="http://schemas.openxmlformats.org/officeDocument/2006/relationships" rot="-90" type="round2SameRect" r:blip="">
-                    <dgm:adjLst/>
-                  </dgm:shape>
-                </dgm:else>
-              </dgm:choose>
-              <dgm:presOf axis="des" ptType="node"/>
-              <dgm:constrLst>
-                <dgm:constr type="secFontSz" val="65"/>
-                <dgm:constr type="primFontSz" refType="secFontSz"/>
-                <dgm:constr type="lMarg" refType="secFontSz" fact="0.3"/>
-                <dgm:constr type="rMarg" refType="secFontSz" fact="0.3"/>
-                <dgm:constr type="tMarg" refType="secFontSz" fact="0.15"/>
-                <dgm:constr type="bMarg" refType="secFontSz" fact="0.15"/>
-              </dgm:constrLst>
-              <dgm:ruleLst>
-                <dgm:rule type="secFontSz" val="5" fact="NaN" max="NaN"/>
-              </dgm:ruleLst>
-            </dgm:layoutNode>
-          </dgm:if>
-          <dgm:else name="Name13"/>
-        </dgm:choose>
-      </dgm:layoutNode>
-      <dgm:forEach name="Name14" axis="followSib" ptType="sibTrans" cnt="1">
-        <dgm:layoutNode name="sp">
-          <dgm:alg type="sp"/>
+            </dgm:if>
+            <dgm:else name="Name15">
+              <dgm:alg type="lin">
+                <dgm:param type="linDir" val="fromT"/>
+                <dgm:param type="nodeHorzAlign" val="r"/>
+              </dgm:alg>
+            </dgm:else>
+          </dgm:choose>
           <dgm:shape xmlns:r="http://schemas.openxmlformats.org/officeDocument/2006/relationships" r:blip="">
             <dgm:adjLst/>
           </dgm:shape>
           <dgm:presOf/>
-          <dgm:constrLst/>
-          <dgm:ruleLst/>
+          <dgm:forEach name="Name16" axis="ch" ptType="node">
+            <dgm:choose name="Name17">
+              <dgm:if name="Name18" axis="self" ptType="node" func="pos" op="equ" val="1">
+                <dgm:layoutNode name="vertSpace2a">
+                  <dgm:alg type="sp"/>
+                  <dgm:shape xmlns:r="http://schemas.openxmlformats.org/officeDocument/2006/relationships" r:blip="">
+                    <dgm:adjLst/>
+                  </dgm:shape>
+                  <dgm:presOf/>
+                </dgm:layoutNode>
+              </dgm:if>
+              <dgm:else name="Name19"/>
+            </dgm:choose>
+            <dgm:layoutNode name="horz2">
+              <dgm:choose name="Name20">
+                <dgm:if name="Name21" func="var" arg="dir" op="equ" val="norm">
+                  <dgm:alg type="lin">
+                    <dgm:param type="linDir" val="fromL"/>
+                    <dgm:param type="nodeVertAlign" val="t"/>
+                  </dgm:alg>
+                </dgm:if>
+                <dgm:else name="Name22">
+                  <dgm:alg type="lin">
+                    <dgm:param type="linDir" val="fromR"/>
+                    <dgm:param type="nodeVertAlign" val="t"/>
+                  </dgm:alg>
+                </dgm:else>
+              </dgm:choose>
+              <dgm:shape xmlns:r="http://schemas.openxmlformats.org/officeDocument/2006/relationships" r:blip="">
+                <dgm:adjLst/>
+              </dgm:shape>
+              <dgm:presOf/>
+              <dgm:layoutNode name="horzSpace2">
+                <dgm:alg type="sp"/>
+                <dgm:shape xmlns:r="http://schemas.openxmlformats.org/officeDocument/2006/relationships" r:blip="">
+                  <dgm:adjLst/>
+                </dgm:shape>
+                <dgm:presOf/>
+              </dgm:layoutNode>
+              <dgm:layoutNode name="tx2" styleLbl="revTx">
+                <dgm:alg type="tx">
+                  <dgm:param type="parTxLTRAlign" val="l"/>
+                  <dgm:param type="parTxRTLAlign" val="r"/>
+                  <dgm:param type="txAnchorVert" val="t"/>
+                </dgm:alg>
+                <dgm:shape xmlns:r="http://schemas.openxmlformats.org/officeDocument/2006/relationships" type="rect" r:blip="">
+                  <dgm:adjLst/>
+                </dgm:shape>
+                <dgm:presOf axis="self"/>
+                <dgm:constrLst>
+                  <dgm:constr type="tMarg" refType="primFontSz" fact="0.3"/>
+                  <dgm:constr type="bMarg" refType="primFontSz" fact="0.3"/>
+                  <dgm:constr type="lMarg" refType="primFontSz" fact="0.3"/>
+                  <dgm:constr type="rMarg" refType="primFontSz" fact="0.3"/>
+                </dgm:constrLst>
+                <dgm:ruleLst>
+                  <dgm:rule type="primFontSz" val="5" fact="NaN" max="NaN"/>
+                </dgm:ruleLst>
+              </dgm:layoutNode>
+              <dgm:layoutNode name="vert2">
+                <dgm:choose name="Name23">
+                  <dgm:if name="Name24" func="var" arg="dir" op="equ" val="norm">
+                    <dgm:alg type="lin">
+                      <dgm:param type="linDir" val="fromT"/>
+                      <dgm:param type="nodeHorzAlign" val="l"/>
+                    </dgm:alg>
+                  </dgm:if>
+                  <dgm:else name="Name25">
+                    <dgm:alg type="lin">
+                      <dgm:param type="linDir" val="fromT"/>
+                      <dgm:param type="nodeHorzAlign" val="r"/>
+                    </dgm:alg>
+                  </dgm:else>
+                </dgm:choose>
+                <dgm:shape xmlns:r="http://schemas.openxmlformats.org/officeDocument/2006/relationships" r:blip="">
+                  <dgm:adjLst/>
+                </dgm:shape>
+                <dgm:presOf/>
+                <dgm:forEach name="Name26" axis="ch" ptType="node">
+                  <dgm:layoutNode name="horz3">
+                    <dgm:choose name="Name27">
+                      <dgm:if name="Name28" func="var" arg="dir" op="equ" val="norm">
+                        <dgm:alg type="lin">
+                          <dgm:param type="linDir" val="fromL"/>
+                          <dgm:param type="nodeVertAlign" val="t"/>
+                        </dgm:alg>
+                      </dgm:if>
+                      <dgm:else name="Name29">
+                        <dgm:alg type="lin">
+                          <dgm:param type="linDir" val="fromR"/>
+                          <dgm:param type="nodeVertAlign" val="t"/>
+                        </dgm:alg>
+                      </dgm:else>
+                    </dgm:choose>
+                    <dgm:shape xmlns:r="http://schemas.openxmlformats.org/officeDocument/2006/relationships" r:blip="">
+                      <dgm:adjLst/>
+                    </dgm:shape>
+                    <dgm:presOf/>
+                    <dgm:layoutNode name="horzSpace3">
+                      <dgm:alg type="sp"/>
+                      <dgm:shape xmlns:r="http://schemas.openxmlformats.org/officeDocument/2006/relationships" r:blip="">
+                        <dgm:adjLst/>
+                      </dgm:shape>
+                      <dgm:presOf/>
+                    </dgm:layoutNode>
+                    <dgm:layoutNode name="tx3" styleLbl="revTx">
+                      <dgm:alg type="tx">
+                        <dgm:param type="parTxLTRAlign" val="l"/>
+                        <dgm:param type="parTxRTLAlign" val="r"/>
+                        <dgm:param type="txAnchorVert" val="t"/>
+                      </dgm:alg>
+                      <dgm:shape xmlns:r="http://schemas.openxmlformats.org/officeDocument/2006/relationships" type="rect" r:blip="">
+                        <dgm:adjLst/>
+                      </dgm:shape>
+                      <dgm:presOf axis="self"/>
+                      <dgm:constrLst>
+                        <dgm:constr type="tMarg" refType="primFontSz" fact="0.3"/>
+                        <dgm:constr type="bMarg" refType="primFontSz" fact="0.3"/>
+                        <dgm:constr type="lMarg" refType="primFontSz" fact="0.3"/>
+                        <dgm:constr type="rMarg" refType="primFontSz" fact="0.3"/>
+                      </dgm:constrLst>
+                      <dgm:ruleLst>
+                        <dgm:rule type="primFontSz" val="5" fact="NaN" max="NaN"/>
+                      </dgm:ruleLst>
+                    </dgm:layoutNode>
+                    <dgm:layoutNode name="vert3">
+                      <dgm:choose name="Name30">
+                        <dgm:if name="Name31" func="var" arg="dir" op="equ" val="norm">
+                          <dgm:alg type="lin">
+                            <dgm:param type="linDir" val="fromT"/>
+                            <dgm:param type="nodeHorzAlign" val="l"/>
+                          </dgm:alg>
+                        </dgm:if>
+                        <dgm:else name="Name32">
+                          <dgm:alg type="lin">
+                            <dgm:param type="linDir" val="fromT"/>
+                            <dgm:param type="nodeHorzAlign" val="r"/>
+                          </dgm:alg>
+                        </dgm:else>
+                      </dgm:choose>
+                      <dgm:shape xmlns:r="http://schemas.openxmlformats.org/officeDocument/2006/relationships" r:blip="">
+                        <dgm:adjLst/>
+                      </dgm:shape>
+                      <dgm:presOf/>
+                      <dgm:forEach name="Name33" axis="ch" ptType="node">
+                        <dgm:layoutNode name="horz4">
+                          <dgm:choose name="Name34">
+                            <dgm:if name="Name35" func="var" arg="dir" op="equ" val="norm">
+                              <dgm:alg type="lin">
+                                <dgm:param type="linDir" val="fromL"/>
+                                <dgm:param type="nodeVertAlign" val="t"/>
+                              </dgm:alg>
+                            </dgm:if>
+                            <dgm:else name="Name36">
+                              <dgm:alg type="lin">
+                                <dgm:param type="linDir" val="fromR"/>
+                                <dgm:param type="nodeVertAlign" val="t"/>
+                              </dgm:alg>
+                            </dgm:else>
+                          </dgm:choose>
+                          <dgm:shape xmlns:r="http://schemas.openxmlformats.org/officeDocument/2006/relationships" r:blip="">
+                            <dgm:adjLst/>
+                          </dgm:shape>
+                          <dgm:presOf/>
+                          <dgm:layoutNode name="horzSpace4">
+                            <dgm:alg type="sp"/>
+                            <dgm:shape xmlns:r="http://schemas.openxmlformats.org/officeDocument/2006/relationships" r:blip="">
+                              <dgm:adjLst/>
+                            </dgm:shape>
+                            <dgm:presOf/>
+                          </dgm:layoutNode>
+                          <dgm:layoutNode name="tx4" styleLbl="revTx">
+                            <dgm:varLst>
+                              <dgm:bulletEnabled val="1"/>
+                            </dgm:varLst>
+                            <dgm:alg type="tx">
+                              <dgm:param type="parTxLTRAlign" val="l"/>
+                              <dgm:param type="parTxRTLAlign" val="r"/>
+                              <dgm:param type="txAnchorVert" val="t"/>
+                            </dgm:alg>
+                            <dgm:shape xmlns:r="http://schemas.openxmlformats.org/officeDocument/2006/relationships" type="rect" r:blip="">
+                              <dgm:adjLst/>
+                            </dgm:shape>
+                            <dgm:presOf axis="desOrSelf" ptType="node"/>
+                            <dgm:constrLst>
+                              <dgm:constr type="tMarg" refType="primFontSz" fact="0.3"/>
+                              <dgm:constr type="bMarg" refType="primFontSz" fact="0.3"/>
+                              <dgm:constr type="lMarg" refType="primFontSz" fact="0.3"/>
+                              <dgm:constr type="rMarg" refType="primFontSz" fact="0.3"/>
+                            </dgm:constrLst>
+                            <dgm:ruleLst>
+                              <dgm:rule type="primFontSz" val="5" fact="NaN" max="NaN"/>
+                            </dgm:ruleLst>
+                          </dgm:layoutNode>
+                        </dgm:layoutNode>
+                      </dgm:forEach>
+                    </dgm:layoutNode>
+                  </dgm:layoutNode>
+                  <dgm:forEach name="Name37" axis="followSib" ptType="sibTrans" cnt="1">
+                    <dgm:layoutNode name="thinLine3" styleLbl="callout">
+                      <dgm:alg type="sp"/>
+                      <dgm:shape xmlns:r="http://schemas.openxmlformats.org/officeDocument/2006/relationships" type="line" r:blip="">
+                        <dgm:adjLst/>
+                      </dgm:shape>
+                      <dgm:presOf/>
+                    </dgm:layoutNode>
+                  </dgm:forEach>
+                </dgm:forEach>
+              </dgm:layoutNode>
+            </dgm:layoutNode>
+            <dgm:layoutNode name="thinLine2b" styleLbl="callout">
+              <dgm:alg type="sp"/>
+              <dgm:shape xmlns:r="http://schemas.openxmlformats.org/officeDocument/2006/relationships" type="line" r:blip="">
+                <dgm:adjLst/>
+              </dgm:shape>
+              <dgm:presOf/>
+            </dgm:layoutNode>
+            <dgm:layoutNode name="vertSpace2b">
+              <dgm:alg type="sp"/>
+              <dgm:shape xmlns:r="http://schemas.openxmlformats.org/officeDocument/2006/relationships" r:blip="">
+                <dgm:adjLst/>
+              </dgm:shape>
+              <dgm:presOf/>
+            </dgm:layoutNode>
+          </dgm:forEach>
         </dgm:layoutNode>
-      </dgm:forEach>
+      </dgm:layoutNode>
     </dgm:forEach>
   </dgm:layoutNode>
 </dgm:layoutDef>
@@ -9752,7 +10310,7 @@
             <p:ph idx="1"/>
             <p:extLst>
               <p:ext uri="{D42A27DB-BD31-4B8C-83A1-F6EECF244321}">
-                <p14:modId xmlns:p14="http://schemas.microsoft.com/office/powerpoint/2010/main" val="2247390476"/>
+                <p14:modId xmlns:p14="http://schemas.microsoft.com/office/powerpoint/2010/main" val="3728900057"/>
               </p:ext>
             </p:extLst>
           </p:nvPr>
